--- a/Anlauf_2/Anlauf_2_neu.pptx
+++ b/Anlauf_2/Anlauf_2_neu.pptx
@@ -5,49 +5,46 @@
     <p:sldMasterId id="2147483648" r:id="rId1"/>
   </p:sldMasterIdLst>
   <p:notesMasterIdLst>
-    <p:notesMasterId r:id="rId17"/>
+    <p:notesMasterId r:id="rId14"/>
   </p:notesMasterIdLst>
   <p:handoutMasterIdLst>
-    <p:handoutMasterId r:id="rId18"/>
+    <p:handoutMasterId r:id="rId15"/>
   </p:handoutMasterIdLst>
   <p:sldIdLst>
     <p:sldId id="345" r:id="rId2"/>
-    <p:sldId id="435" r:id="rId3"/>
-    <p:sldId id="436" r:id="rId4"/>
+    <p:sldId id="446" r:id="rId3"/>
+    <p:sldId id="435" r:id="rId4"/>
     <p:sldId id="438" r:id="rId5"/>
     <p:sldId id="442" r:id="rId6"/>
     <p:sldId id="439" r:id="rId7"/>
-    <p:sldId id="440" r:id="rId8"/>
-    <p:sldId id="441" r:id="rId9"/>
-    <p:sldId id="258" r:id="rId10"/>
-    <p:sldId id="425" r:id="rId11"/>
-    <p:sldId id="443" r:id="rId12"/>
-    <p:sldId id="444" r:id="rId13"/>
-    <p:sldId id="445" r:id="rId14"/>
-    <p:sldId id="433" r:id="rId15"/>
-    <p:sldId id="434" r:id="rId16"/>
+    <p:sldId id="443" r:id="rId8"/>
+    <p:sldId id="444" r:id="rId9"/>
+    <p:sldId id="440" r:id="rId10"/>
+    <p:sldId id="445" r:id="rId11"/>
+    <p:sldId id="433" r:id="rId12"/>
+    <p:sldId id="434" r:id="rId13"/>
   </p:sldIdLst>
   <p:sldSz cx="12192000" cy="6858000"/>
   <p:notesSz cx="6858000" cy="9144000"/>
   <p:embeddedFontLst>
     <p:embeddedFont>
       <p:font typeface="Frutiger LT Com 45 Light" panose="020B0303030504090204" charset="0"/>
-      <p:regular r:id="rId19"/>
-      <p:bold r:id="rId20"/>
-      <p:italic r:id="rId21"/>
-      <p:boldItalic r:id="rId22"/>
+      <p:regular r:id="rId16"/>
+      <p:bold r:id="rId17"/>
+      <p:italic r:id="rId18"/>
+      <p:boldItalic r:id="rId19"/>
     </p:embeddedFont>
     <p:embeddedFont>
       <p:font typeface="Frutiger LT Com 65 Bold" panose="020B0803030504020204" charset="0"/>
-      <p:bold r:id="rId23"/>
+      <p:bold r:id="rId20"/>
     </p:embeddedFont>
     <p:embeddedFont>
       <p:font typeface="Frutiger LT Com 75 Black" panose="020B0A03040504030204" charset="0"/>
-      <p:bold r:id="rId24"/>
+      <p:bold r:id="rId21"/>
     </p:embeddedFont>
   </p:embeddedFontLst>
   <p:custDataLst>
-    <p:tags r:id="rId25"/>
+    <p:tags r:id="rId22"/>
   </p:custDataLst>
   <p:defaultTextStyle>
     <a:defPPr>
@@ -249,7 +246,7 @@
           <a:p>
             <a:fld id="{7C51B798-6D2C-417B-AF46-ECB70983C150}" type="datetimeFigureOut">
               <a:rPr lang="en-US" smtClean="0"/>
-              <a:t>1/22/2025</a:t>
+              <a:t>1/23/2025</a:t>
             </a:fld>
             <a:endParaRPr lang="en-US"/>
           </a:p>
@@ -426,7 +423,7 @@
           <a:p>
             <a:fld id="{0D00A665-AB63-487C-A689-A96D5AA0C864}" type="datetimeFigureOut">
               <a:rPr lang="en-US" smtClean="0"/>
-              <a:t>1/22/2025</a:t>
+              <a:t>1/23/2025</a:t>
             </a:fld>
             <a:endParaRPr lang="en-US"/>
           </a:p>
@@ -1449,7 +1446,7 @@
           <a:p>
             <a:fld id="{C2073017-DDA3-40B1-B959-F4FB6A4AFA26}" type="datetime1">
               <a:rPr lang="de-DE" noProof="0" smtClean="0"/>
-              <a:t>22.01.2025</a:t>
+              <a:t>23.01.2025</a:t>
             </a:fld>
             <a:endParaRPr lang="de-DE" noProof="0" dirty="0"/>
           </a:p>
@@ -1996,7 +1993,7 @@
           <a:p>
             <a:fld id="{B612DD1F-137A-4464-9EAC-BB9C0CE663F3}" type="datetime1">
               <a:rPr lang="de-DE" noProof="0" smtClean="0"/>
-              <a:t>22.01.2025</a:t>
+              <a:t>23.01.2025</a:t>
             </a:fld>
             <a:endParaRPr lang="de-DE" noProof="0" dirty="0"/>
           </a:p>
@@ -2370,7 +2367,7 @@
           <a:p>
             <a:fld id="{7DD65271-F4C6-48CF-AF5F-2037B0CD876F}" type="datetime1">
               <a:rPr lang="de-DE" noProof="0" smtClean="0"/>
-              <a:t>22.01.2025</a:t>
+              <a:t>23.01.2025</a:t>
             </a:fld>
             <a:endParaRPr lang="de-DE" noProof="0" dirty="0"/>
           </a:p>
@@ -2737,7 +2734,7 @@
           <a:p>
             <a:fld id="{D4020A64-C0C9-478D-9112-3AF7A9C7B733}" type="datetime1">
               <a:rPr lang="de-DE" noProof="0" smtClean="0"/>
-              <a:t>22.01.2025</a:t>
+              <a:t>23.01.2025</a:t>
             </a:fld>
             <a:endParaRPr lang="de-DE" noProof="0" dirty="0"/>
           </a:p>
@@ -2958,7 +2955,7 @@
           <a:p>
             <a:fld id="{AEC921AC-02AD-43CE-8223-29C354AFA9F0}" type="datetime1">
               <a:rPr lang="de-DE" noProof="0" smtClean="0"/>
-              <a:t>22.01.2025</a:t>
+              <a:t>23.01.2025</a:t>
             </a:fld>
             <a:endParaRPr lang="de-DE" noProof="0" dirty="0"/>
           </a:p>
@@ -3307,7 +3304,7 @@
           <a:p>
             <a:fld id="{431B90B4-23A1-4D5C-AEA0-4F896DEE8659}" type="datetime1">
               <a:rPr lang="de-DE" noProof="0" smtClean="0"/>
-              <a:t>22.01.2025</a:t>
+              <a:t>23.01.2025</a:t>
             </a:fld>
             <a:endParaRPr lang="de-DE" noProof="0" dirty="0"/>
           </a:p>
@@ -3711,7 +3708,7 @@
           <a:p>
             <a:fld id="{F233D9B4-34CC-4E21-9E4A-F393B50906FC}" type="datetime1">
               <a:rPr lang="de-DE" noProof="0" smtClean="0"/>
-              <a:t>22.01.2025</a:t>
+              <a:t>23.01.2025</a:t>
             </a:fld>
             <a:endParaRPr lang="de-DE" noProof="0" dirty="0"/>
           </a:p>
@@ -4169,7 +4166,7 @@
           <a:p>
             <a:fld id="{83F9B2CC-25F6-4FAC-8864-016AA298134A}" type="datetime1">
               <a:rPr lang="de-DE" noProof="0" smtClean="0"/>
-              <a:t>22.01.2025</a:t>
+              <a:t>23.01.2025</a:t>
             </a:fld>
             <a:endParaRPr lang="de-DE" noProof="0" dirty="0"/>
           </a:p>
@@ -4539,7 +4536,7 @@
           <a:p>
             <a:fld id="{8EE57FA5-9E55-4B97-9BC1-88EE745C6E8D}" type="datetime1">
               <a:rPr lang="de-DE" noProof="0" smtClean="0"/>
-              <a:t>22.01.2025</a:t>
+              <a:t>23.01.2025</a:t>
             </a:fld>
             <a:endParaRPr lang="de-DE" noProof="0" dirty="0"/>
           </a:p>
@@ -4932,7 +4929,7 @@
           <a:p>
             <a:fld id="{1E60525D-F95B-4ACC-B650-EB231C9416E4}" type="datetime1">
               <a:rPr lang="de-DE" noProof="0" smtClean="0"/>
-              <a:t>22.01.2025</a:t>
+              <a:t>23.01.2025</a:t>
             </a:fld>
             <a:endParaRPr lang="de-DE" noProof="0" dirty="0"/>
           </a:p>
@@ -5575,7 +5572,7 @@
           <a:p>
             <a:fld id="{8B9576A1-7152-48DA-B11F-0CA42E8F88C3}" type="datetime1">
               <a:rPr lang="de-DE" noProof="0" smtClean="0"/>
-              <a:t>22.01.2025</a:t>
+              <a:t>23.01.2025</a:t>
             </a:fld>
             <a:endParaRPr lang="de-DE" noProof="0" dirty="0"/>
           </a:p>
@@ -5960,7 +5957,7 @@
           <a:p>
             <a:fld id="{6B4BCDEA-1572-4D1C-B8B3-1CB32F073304}" type="datetime1">
               <a:rPr lang="de-DE" noProof="0" smtClean="0"/>
-              <a:t>22.01.2025</a:t>
+              <a:t>23.01.2025</a:t>
             </a:fld>
             <a:endParaRPr lang="de-DE" noProof="0" dirty="0"/>
           </a:p>
@@ -6376,7 +6373,7 @@
           <a:p>
             <a:fld id="{FA87E145-D96F-4C16-98B0-5C7CE18C7A39}" type="datetime1">
               <a:rPr lang="de-DE" noProof="0" smtClean="0"/>
-              <a:t>22.01.2025</a:t>
+              <a:t>23.01.2025</a:t>
             </a:fld>
             <a:endParaRPr lang="de-DE" noProof="0" dirty="0"/>
           </a:p>
@@ -6955,7 +6952,7 @@
           <a:p>
             <a:fld id="{177E153F-41A4-4D9F-9E2C-43776E00E2AA}" type="datetime1">
               <a:rPr lang="de-DE" noProof="0" smtClean="0"/>
-              <a:t>22.01.2025</a:t>
+              <a:t>23.01.2025</a:t>
             </a:fld>
             <a:endParaRPr lang="de-DE" noProof="0" dirty="0"/>
           </a:p>
@@ -7570,7 +7567,7 @@
           <a:p>
             <a:fld id="{E7541F53-829B-4497-96C5-4E44BC0C6C56}" type="datetime1">
               <a:rPr lang="de-DE" noProof="0" smtClean="0"/>
-              <a:t>22.01.2025</a:t>
+              <a:t>23.01.2025</a:t>
             </a:fld>
             <a:endParaRPr lang="de-DE" noProof="0" dirty="0"/>
           </a:p>
@@ -7946,7 +7943,7 @@
           <a:p>
             <a:fld id="{2D802DEE-4F74-426D-A4E8-87B69A103B05}" type="datetime1">
               <a:rPr lang="de-DE" noProof="0" smtClean="0"/>
-              <a:t>22.01.2025</a:t>
+              <a:t>23.01.2025</a:t>
             </a:fld>
             <a:endParaRPr lang="de-DE" noProof="0" dirty="0"/>
           </a:p>
@@ -8614,7 +8611,7 @@
           <a:p>
             <a:fld id="{AE5806F9-6B91-4EEE-BC2C-4C702B2BEEDB}" type="datetime1">
               <a:rPr lang="de-DE" noProof="0" smtClean="0"/>
-              <a:t>22.01.2025</a:t>
+              <a:t>23.01.2025</a:t>
             </a:fld>
             <a:endParaRPr lang="de-DE" noProof="0" dirty="0"/>
           </a:p>
@@ -12555,7 +12552,7 @@
           <a:p>
             <a:fld id="{3575F282-9D1B-4645-B88C-04861B076577}" type="datetime1">
               <a:rPr lang="de-DE" noProof="0" smtClean="0"/>
-              <a:t>22.01.2025</a:t>
+              <a:t>23.01.2025</a:t>
             </a:fld>
             <a:endParaRPr lang="de-DE" noProof="0" dirty="0"/>
           </a:p>
@@ -12920,7 +12917,7 @@
           <a:p>
             <a:fld id="{2840BE37-0688-453E-8621-EBEA1DAF6D6C}" type="datetime1">
               <a:rPr lang="de-DE" noProof="0" smtClean="0"/>
-              <a:t>22.01.2025</a:t>
+              <a:t>23.01.2025</a:t>
             </a:fld>
             <a:endParaRPr lang="de-DE" noProof="0" dirty="0"/>
           </a:p>
@@ -13722,966 +13719,6 @@
             <p:ph type="title"/>
           </p:nvPr>
         </p:nvSpPr>
-        <p:spPr/>
-        <p:txBody>
-          <a:bodyPr/>
-          <a:lstStyle/>
-          <a:p>
-            <a:r>
-              <a:rPr lang="de-DE" dirty="0"/>
-              <a:t>Lösungsansatz</a:t>
-            </a:r>
-          </a:p>
-        </p:txBody>
-      </p:sp>
-      <p:sp>
-        <p:nvSpPr>
-          <p:cNvPr id="3" name="Datumsplatzhalter 2">
-            <a:extLst>
-              <a:ext uri="{FF2B5EF4-FFF2-40B4-BE49-F238E27FC236}">
-                <a16:creationId xmlns:a16="http://schemas.microsoft.com/office/drawing/2014/main" id="{81493733-4269-9F03-8CEB-5D9A066BC8D8}"/>
-              </a:ext>
-            </a:extLst>
-          </p:cNvPr>
-          <p:cNvSpPr>
-            <a:spLocks noGrp="1"/>
-          </p:cNvSpPr>
-          <p:nvPr>
-            <p:ph type="dt" sz="half" idx="10"/>
-          </p:nvPr>
-        </p:nvSpPr>
-        <p:spPr/>
-        <p:txBody>
-          <a:bodyPr/>
-          <a:lstStyle/>
-          <a:p>
-            <a:fld id="{E1C3EC00-F760-4C5A-A6D9-3E15A5323473}" type="datetime1">
-              <a:rPr lang="de-DE" noProof="0" smtClean="0"/>
-              <a:t>22.01.2025</a:t>
-            </a:fld>
-            <a:endParaRPr lang="de-DE" noProof="0" dirty="0"/>
-          </a:p>
-        </p:txBody>
-      </p:sp>
-      <p:sp>
-        <p:nvSpPr>
-          <p:cNvPr id="5" name="Foliennummernplatzhalter 4">
-            <a:extLst>
-              <a:ext uri="{FF2B5EF4-FFF2-40B4-BE49-F238E27FC236}">
-                <a16:creationId xmlns:a16="http://schemas.microsoft.com/office/drawing/2014/main" id="{712D270F-E6E6-E700-11F8-DD49BF454EEB}"/>
-              </a:ext>
-            </a:extLst>
-          </p:cNvPr>
-          <p:cNvSpPr>
-            <a:spLocks noGrp="1"/>
-          </p:cNvSpPr>
-          <p:nvPr>
-            <p:ph type="sldNum" sz="quarter" idx="12"/>
-          </p:nvPr>
-        </p:nvSpPr>
-        <p:spPr/>
-        <p:txBody>
-          <a:bodyPr/>
-          <a:lstStyle/>
-          <a:p>
-            <a:r>
-              <a:rPr lang="de-DE" noProof="0"/>
-              <a:t>Seite</a:t>
-            </a:r>
-            <a:r>
-              <a:rPr lang="en-US"/>
-              <a:t> </a:t>
-            </a:r>
-            <a:fld id="{401BA3E4-5E55-4F99-AF09-CC6D6B2539E2}" type="slidenum">
-              <a:rPr lang="en-US" smtClean="0"/>
-              <a:pPr/>
-              <a:t>10</a:t>
-            </a:fld>
-            <a:endParaRPr lang="en-US" dirty="0"/>
-          </a:p>
-        </p:txBody>
-      </p:sp>
-      <p:sp>
-        <p:nvSpPr>
-          <p:cNvPr id="10" name="Textplatzhalter 9">
-            <a:extLst>
-              <a:ext uri="{FF2B5EF4-FFF2-40B4-BE49-F238E27FC236}">
-                <a16:creationId xmlns:a16="http://schemas.microsoft.com/office/drawing/2014/main" id="{9F561136-43B3-57D5-026A-57FF1A94119D}"/>
-              </a:ext>
-            </a:extLst>
-          </p:cNvPr>
-          <p:cNvSpPr>
-            <a:spLocks noGrp="1"/>
-          </p:cNvSpPr>
-          <p:nvPr>
-            <p:ph type="body" sz="quarter" idx="13"/>
-          </p:nvPr>
-        </p:nvSpPr>
-        <p:spPr/>
-        <p:txBody>
-          <a:bodyPr/>
-          <a:lstStyle/>
-          <a:p>
-            <a:r>
-              <a:rPr lang="de-DE" dirty="0"/>
-              <a:t>Hauptproblem</a:t>
-            </a:r>
-          </a:p>
-        </p:txBody>
-      </p:sp>
-      <p:sp>
-        <p:nvSpPr>
-          <p:cNvPr id="6" name="Textfeld 5">
-            <a:extLst>
-              <a:ext uri="{FF2B5EF4-FFF2-40B4-BE49-F238E27FC236}">
-                <a16:creationId xmlns:a16="http://schemas.microsoft.com/office/drawing/2014/main" id="{4BD70E1B-A48B-E231-C0D4-5E9970CEBF7A}"/>
-              </a:ext>
-            </a:extLst>
-          </p:cNvPr>
-          <p:cNvSpPr txBox="1"/>
-          <p:nvPr/>
-        </p:nvSpPr>
-        <p:spPr>
-          <a:xfrm>
-            <a:off x="3451461" y="2366914"/>
-            <a:ext cx="5289077" cy="2124171"/>
-          </a:xfrm>
-          <a:prstGeom prst="rect">
-            <a:avLst/>
-          </a:prstGeom>
-          <a:noFill/>
-        </p:spPr>
-        <p:txBody>
-          <a:bodyPr wrap="square" lIns="0" tIns="0" rIns="0" bIns="0" rtlCol="0">
-            <a:spAutoFit/>
-          </a:bodyPr>
-          <a:lstStyle/>
-          <a:p>
-            <a:pPr>
-              <a:lnSpc>
-                <a:spcPct val="110000"/>
-              </a:lnSpc>
-              <a:spcAft>
-                <a:spcPts val="1900"/>
-              </a:spcAft>
-              <a:buClr>
-                <a:schemeClr val="accent1"/>
-              </a:buClr>
-            </a:pPr>
-            <a:r>
-              <a:rPr lang="de-DE" sz="1600" dirty="0">
-                <a:solidFill>
-                  <a:schemeClr val="accent1"/>
-                </a:solidFill>
-              </a:rPr>
-              <a:t>Um die Bachelorarbeit unter </a:t>
-            </a:r>
-            <a:r>
-              <a:rPr lang="de-DE" sz="1600" b="1" dirty="0">
-                <a:solidFill>
-                  <a:schemeClr val="accent1"/>
-                </a:solidFill>
-              </a:rPr>
-              <a:t>Berücksichtigung der gesundheitlichen Risiken</a:t>
-            </a:r>
-            <a:r>
-              <a:rPr lang="de-DE" sz="1600" dirty="0">
-                <a:solidFill>
-                  <a:schemeClr val="accent1"/>
-                </a:solidFill>
-              </a:rPr>
-              <a:t> zu Ende zu bringen ist eine </a:t>
-            </a:r>
-            <a:r>
-              <a:rPr lang="de-DE" sz="1600" b="1" dirty="0">
-                <a:solidFill>
-                  <a:schemeClr val="accent1"/>
-                </a:solidFill>
-              </a:rPr>
-              <a:t>Reduktion des inhaltlichen Rahmens </a:t>
-            </a:r>
-            <a:r>
-              <a:rPr lang="de-DE" sz="1600" dirty="0">
-                <a:solidFill>
-                  <a:schemeClr val="accent1"/>
-                </a:solidFill>
-              </a:rPr>
-              <a:t>zwingend notwendig.</a:t>
-            </a:r>
-          </a:p>
-          <a:p>
-            <a:pPr>
-              <a:lnSpc>
-                <a:spcPct val="110000"/>
-              </a:lnSpc>
-              <a:spcAft>
-                <a:spcPts val="1900"/>
-              </a:spcAft>
-              <a:buClr>
-                <a:schemeClr val="accent1"/>
-              </a:buClr>
-            </a:pPr>
-            <a:r>
-              <a:rPr lang="de-DE" sz="1600" dirty="0">
-                <a:solidFill>
-                  <a:schemeClr val="accent1"/>
-                </a:solidFill>
-              </a:rPr>
-              <a:t>Zudem muss die Bachelorarbeit um </a:t>
-            </a:r>
-            <a:r>
-              <a:rPr lang="de-DE" sz="1600" b="1" dirty="0">
-                <a:solidFill>
-                  <a:schemeClr val="accent1"/>
-                </a:solidFill>
-              </a:rPr>
-              <a:t>4 Wochen </a:t>
-            </a:r>
-            <a:r>
-              <a:rPr lang="de-DE" sz="1600" dirty="0">
-                <a:solidFill>
-                  <a:schemeClr val="accent1"/>
-                </a:solidFill>
-              </a:rPr>
-              <a:t>auf den </a:t>
-            </a:r>
-            <a:r>
-              <a:rPr lang="de-DE" sz="1600" b="1" dirty="0">
-                <a:solidFill>
-                  <a:schemeClr val="accent1"/>
-                </a:solidFill>
-              </a:rPr>
-              <a:t>28.03.2025 verlängert </a:t>
-            </a:r>
-            <a:r>
-              <a:rPr lang="de-DE" sz="1600" dirty="0">
-                <a:solidFill>
-                  <a:schemeClr val="accent1"/>
-                </a:solidFill>
-              </a:rPr>
-              <a:t>werden, um die Zeit der Arbeitsunfähigkeit zu kompensieren</a:t>
-            </a:r>
-            <a:r>
-              <a:rPr lang="de-DE" sz="1400" dirty="0"/>
-              <a:t>.</a:t>
-            </a:r>
-          </a:p>
-        </p:txBody>
-      </p:sp>
-    </p:spTree>
-    <p:extLst>
-      <p:ext uri="{BB962C8B-B14F-4D97-AF65-F5344CB8AC3E}">
-        <p14:creationId xmlns:p14="http://schemas.microsoft.com/office/powerpoint/2010/main" val="3559060751"/>
-      </p:ext>
-    </p:extLst>
-  </p:cSld>
-  <p:clrMapOvr>
-    <a:masterClrMapping/>
-  </p:clrMapOvr>
-</p:sld>
-</file>
-
-<file path=ppt/slides/slide11.xml><?xml version="1.0" encoding="utf-8"?>
-<p:sld xmlns:a="http://schemas.openxmlformats.org/drawingml/2006/main" xmlns:r="http://schemas.openxmlformats.org/officeDocument/2006/relationships" xmlns:p="http://schemas.openxmlformats.org/presentationml/2006/main">
-  <p:cSld>
-    <p:spTree>
-      <p:nvGrpSpPr>
-        <p:cNvPr id="1" name=""/>
-        <p:cNvGrpSpPr/>
-        <p:nvPr/>
-      </p:nvGrpSpPr>
-      <p:grpSpPr>
-        <a:xfrm>
-          <a:off x="0" y="0"/>
-          <a:ext cx="0" cy="0"/>
-          <a:chOff x="0" y="0"/>
-          <a:chExt cx="0" cy="0"/>
-        </a:xfrm>
-      </p:grpSpPr>
-      <p:sp>
-        <p:nvSpPr>
-          <p:cNvPr id="9" name="Titel 8">
-            <a:extLst>
-              <a:ext uri="{FF2B5EF4-FFF2-40B4-BE49-F238E27FC236}">
-                <a16:creationId xmlns:a16="http://schemas.microsoft.com/office/drawing/2014/main" id="{FC3078AA-FC84-15B8-630E-D5CBC8ED6988}"/>
-              </a:ext>
-            </a:extLst>
-          </p:cNvPr>
-          <p:cNvSpPr>
-            <a:spLocks noGrp="1"/>
-          </p:cNvSpPr>
-          <p:nvPr>
-            <p:ph type="title"/>
-          </p:nvPr>
-        </p:nvSpPr>
-        <p:spPr/>
-        <p:txBody>
-          <a:bodyPr/>
-          <a:lstStyle/>
-          <a:p>
-            <a:r>
-              <a:rPr lang="de-DE" dirty="0"/>
-              <a:t>Lösungsansatz</a:t>
-            </a:r>
-          </a:p>
-        </p:txBody>
-      </p:sp>
-      <p:sp>
-        <p:nvSpPr>
-          <p:cNvPr id="3" name="Datumsplatzhalter 2">
-            <a:extLst>
-              <a:ext uri="{FF2B5EF4-FFF2-40B4-BE49-F238E27FC236}">
-                <a16:creationId xmlns:a16="http://schemas.microsoft.com/office/drawing/2014/main" id="{81493733-4269-9F03-8CEB-5D9A066BC8D8}"/>
-              </a:ext>
-            </a:extLst>
-          </p:cNvPr>
-          <p:cNvSpPr>
-            <a:spLocks noGrp="1"/>
-          </p:cNvSpPr>
-          <p:nvPr>
-            <p:ph type="dt" sz="half" idx="10"/>
-          </p:nvPr>
-        </p:nvSpPr>
-        <p:spPr/>
-        <p:txBody>
-          <a:bodyPr/>
-          <a:lstStyle/>
-          <a:p>
-            <a:fld id="{E1C3EC00-F760-4C5A-A6D9-3E15A5323473}" type="datetime1">
-              <a:rPr lang="de-DE" noProof="0" smtClean="0"/>
-              <a:t>22.01.2025</a:t>
-            </a:fld>
-            <a:endParaRPr lang="de-DE" noProof="0" dirty="0"/>
-          </a:p>
-        </p:txBody>
-      </p:sp>
-      <p:sp>
-        <p:nvSpPr>
-          <p:cNvPr id="5" name="Foliennummernplatzhalter 4">
-            <a:extLst>
-              <a:ext uri="{FF2B5EF4-FFF2-40B4-BE49-F238E27FC236}">
-                <a16:creationId xmlns:a16="http://schemas.microsoft.com/office/drawing/2014/main" id="{712D270F-E6E6-E700-11F8-DD49BF454EEB}"/>
-              </a:ext>
-            </a:extLst>
-          </p:cNvPr>
-          <p:cNvSpPr>
-            <a:spLocks noGrp="1"/>
-          </p:cNvSpPr>
-          <p:nvPr>
-            <p:ph type="sldNum" sz="quarter" idx="12"/>
-          </p:nvPr>
-        </p:nvSpPr>
-        <p:spPr/>
-        <p:txBody>
-          <a:bodyPr/>
-          <a:lstStyle/>
-          <a:p>
-            <a:r>
-              <a:rPr lang="de-DE" noProof="0"/>
-              <a:t>Seite</a:t>
-            </a:r>
-            <a:r>
-              <a:rPr lang="en-US"/>
-              <a:t> </a:t>
-            </a:r>
-            <a:fld id="{401BA3E4-5E55-4F99-AF09-CC6D6B2539E2}" type="slidenum">
-              <a:rPr lang="en-US" smtClean="0"/>
-              <a:pPr/>
-              <a:t>11</a:t>
-            </a:fld>
-            <a:endParaRPr lang="en-US" dirty="0"/>
-          </a:p>
-        </p:txBody>
-      </p:sp>
-      <p:sp>
-        <p:nvSpPr>
-          <p:cNvPr id="10" name="Textplatzhalter 9">
-            <a:extLst>
-              <a:ext uri="{FF2B5EF4-FFF2-40B4-BE49-F238E27FC236}">
-                <a16:creationId xmlns:a16="http://schemas.microsoft.com/office/drawing/2014/main" id="{9F561136-43B3-57D5-026A-57FF1A94119D}"/>
-              </a:ext>
-            </a:extLst>
-          </p:cNvPr>
-          <p:cNvSpPr>
-            <a:spLocks noGrp="1"/>
-          </p:cNvSpPr>
-          <p:nvPr>
-            <p:ph type="body" sz="quarter" idx="13"/>
-          </p:nvPr>
-        </p:nvSpPr>
-        <p:spPr/>
-        <p:txBody>
-          <a:bodyPr/>
-          <a:lstStyle/>
-          <a:p>
-            <a:r>
-              <a:rPr lang="de-DE" dirty="0"/>
-              <a:t>Teilproblem 2</a:t>
-            </a:r>
-          </a:p>
-        </p:txBody>
-      </p:sp>
-      <p:sp>
-        <p:nvSpPr>
-          <p:cNvPr id="6" name="Textfeld 5">
-            <a:extLst>
-              <a:ext uri="{FF2B5EF4-FFF2-40B4-BE49-F238E27FC236}">
-                <a16:creationId xmlns:a16="http://schemas.microsoft.com/office/drawing/2014/main" id="{5380AD5E-1D8C-971A-8C4F-D5DF698425A4}"/>
-              </a:ext>
-            </a:extLst>
-          </p:cNvPr>
-          <p:cNvSpPr txBox="1"/>
-          <p:nvPr/>
-        </p:nvSpPr>
-        <p:spPr>
-          <a:xfrm>
-            <a:off x="3480644" y="208741"/>
-            <a:ext cx="7141961" cy="1777025"/>
-          </a:xfrm>
-          <a:prstGeom prst="rect">
-            <a:avLst/>
-          </a:prstGeom>
-          <a:noFill/>
-          <a:ln w="28575">
-            <a:solidFill>
-              <a:srgbClr val="BB0056"/>
-            </a:solidFill>
-          </a:ln>
-        </p:spPr>
-        <p:txBody>
-          <a:bodyPr wrap="square" lIns="0" tIns="0" rIns="0" bIns="0" rtlCol="0">
-            <a:spAutoFit/>
-          </a:bodyPr>
-          <a:lstStyle/>
-          <a:p>
-            <a:pPr algn="ctr">
-              <a:lnSpc>
-                <a:spcPts val="1960"/>
-              </a:lnSpc>
-              <a:buClr>
-                <a:schemeClr val="accent1"/>
-              </a:buClr>
-            </a:pPr>
-            <a:r>
-              <a:rPr lang="de-DE" sz="1400" dirty="0"/>
-              <a:t>Problem: </a:t>
-            </a:r>
-          </a:p>
-          <a:p>
-            <a:pPr marL="342900" indent="-342900" algn="l">
-              <a:lnSpc>
-                <a:spcPts val="1960"/>
-              </a:lnSpc>
-              <a:buClr>
-                <a:schemeClr val="accent1"/>
-              </a:buClr>
-              <a:buAutoNum type="arabicPeriod"/>
-            </a:pPr>
-            <a:r>
-              <a:rPr lang="de-DE" sz="1400" dirty="0"/>
-              <a:t>Nicht Definierter Anwendungskontext (alle Organisationen) der Bilanzräume</a:t>
-            </a:r>
-            <a:br>
-              <a:rPr lang="de-DE" sz="1400" dirty="0"/>
-            </a:br>
-            <a:r>
-              <a:rPr lang="de-DE" sz="1400" dirty="0">
-                <a:sym typeface="Wingdings" panose="05000000000000000000" pitchFamily="2" charset="2"/>
-              </a:rPr>
-              <a:t> Zur Evaluierung liegen nur Daten des Fraunhofer IOSB-AST vor</a:t>
-            </a:r>
-            <a:br>
-              <a:rPr lang="de-DE" sz="1400" dirty="0">
-                <a:sym typeface="Wingdings" panose="05000000000000000000" pitchFamily="2" charset="2"/>
-              </a:rPr>
-            </a:br>
-            <a:r>
-              <a:rPr lang="de-DE" sz="1400" dirty="0">
-                <a:sym typeface="Wingdings" panose="05000000000000000000" pitchFamily="2" charset="2"/>
-              </a:rPr>
-              <a:t> Keine Evaluierung von z.B. Industrieorganisationen möglich</a:t>
-            </a:r>
-            <a:endParaRPr lang="de-DE" sz="1400" dirty="0"/>
-          </a:p>
-          <a:p>
-            <a:pPr marL="342900" indent="-342900" algn="l">
-              <a:lnSpc>
-                <a:spcPts val="1960"/>
-              </a:lnSpc>
-              <a:buClr>
-                <a:schemeClr val="accent1"/>
-              </a:buClr>
-              <a:buAutoNum type="arabicPeriod"/>
-            </a:pPr>
-            <a:r>
-              <a:rPr lang="de-DE" sz="1400" dirty="0"/>
-              <a:t>Keine Festlegung auf Bilanzraumart (Energie/Masse/Impuls)</a:t>
-            </a:r>
-          </a:p>
-          <a:p>
-            <a:pPr marL="342900" indent="-342900" algn="l">
-              <a:lnSpc>
-                <a:spcPts val="1960"/>
-              </a:lnSpc>
-              <a:buClr>
-                <a:schemeClr val="accent1"/>
-              </a:buClr>
-              <a:buAutoNum type="arabicPeriod"/>
-            </a:pPr>
-            <a:r>
-              <a:rPr lang="de-DE" sz="1400" dirty="0"/>
-              <a:t>Keine Festlegung auf Umfang eines Bilanzraums</a:t>
-            </a:r>
-            <a:br>
-              <a:rPr lang="de-DE" sz="1400" dirty="0"/>
-            </a:br>
-            <a:r>
-              <a:rPr lang="de-DE" sz="1400" dirty="0"/>
-              <a:t>(</a:t>
-            </a:r>
-            <a:r>
-              <a:rPr lang="de-DE" sz="1400" dirty="0" err="1"/>
-              <a:t>Energiesektorübergreifend</a:t>
-            </a:r>
-            <a:r>
-              <a:rPr lang="de-DE" sz="1400" dirty="0"/>
-              <a:t>?, Nicht-Energie Ströme bilanzieren?)</a:t>
-            </a:r>
-          </a:p>
-        </p:txBody>
-      </p:sp>
-      <p:sp>
-        <p:nvSpPr>
-          <p:cNvPr id="11" name="Textfeld 10">
-            <a:extLst>
-              <a:ext uri="{FF2B5EF4-FFF2-40B4-BE49-F238E27FC236}">
-                <a16:creationId xmlns:a16="http://schemas.microsoft.com/office/drawing/2014/main" id="{98A623CD-C5E2-2D1E-B8F8-129322B8B353}"/>
-              </a:ext>
-            </a:extLst>
-          </p:cNvPr>
-          <p:cNvSpPr txBox="1"/>
-          <p:nvPr/>
-        </p:nvSpPr>
-        <p:spPr>
-          <a:xfrm>
-            <a:off x="3480643" y="2350639"/>
-            <a:ext cx="7141962" cy="1777025"/>
-          </a:xfrm>
-          <a:prstGeom prst="rect">
-            <a:avLst/>
-          </a:prstGeom>
-          <a:noFill/>
-          <a:ln w="28575">
-            <a:solidFill>
-              <a:srgbClr val="179C7D"/>
-            </a:solidFill>
-          </a:ln>
-        </p:spPr>
-        <p:txBody>
-          <a:bodyPr wrap="square" lIns="0" tIns="0" rIns="0" bIns="0" rtlCol="0">
-            <a:spAutoFit/>
-          </a:bodyPr>
-          <a:lstStyle/>
-          <a:p>
-            <a:pPr algn="ctr">
-              <a:lnSpc>
-                <a:spcPts val="1960"/>
-              </a:lnSpc>
-              <a:buClr>
-                <a:schemeClr val="accent1"/>
-              </a:buClr>
-            </a:pPr>
-            <a:r>
-              <a:rPr lang="de-DE" sz="1400" dirty="0"/>
-              <a:t>Lösungsansatz: </a:t>
-            </a:r>
-          </a:p>
-          <a:p>
-            <a:pPr algn="l">
-              <a:lnSpc>
-                <a:spcPts val="1960"/>
-              </a:lnSpc>
-              <a:buClr>
-                <a:schemeClr val="accent1"/>
-              </a:buClr>
-            </a:pPr>
-            <a:r>
-              <a:rPr lang="de-DE" sz="1400" dirty="0"/>
-              <a:t>Festlegung auf Organisationen im tertiären Wirtschaftssektor</a:t>
-            </a:r>
-            <a:br>
-              <a:rPr lang="de-DE" sz="1400" dirty="0"/>
-            </a:br>
-            <a:r>
-              <a:rPr lang="de-DE" sz="1400" dirty="0">
-                <a:sym typeface="Wingdings" panose="05000000000000000000" pitchFamily="2" charset="2"/>
-              </a:rPr>
-              <a:t> automatischer Fokus auf Energiebilanzierung, da Masse- und Impulsbilanzierung wenig Relevanz haben</a:t>
-            </a:r>
-            <a:br>
-              <a:rPr lang="de-DE" sz="1400" dirty="0">
-                <a:sym typeface="Wingdings" panose="05000000000000000000" pitchFamily="2" charset="2"/>
-              </a:rPr>
-            </a:br>
-            <a:r>
-              <a:rPr lang="de-DE" sz="1400" dirty="0">
-                <a:sym typeface="Wingdings" panose="05000000000000000000" pitchFamily="2" charset="2"/>
-              </a:rPr>
-              <a:t> vollständige Evaluierung möglich</a:t>
-            </a:r>
-            <a:br>
-              <a:rPr lang="de-DE" sz="1400" dirty="0">
-                <a:sym typeface="Wingdings" panose="05000000000000000000" pitchFamily="2" charset="2"/>
-              </a:rPr>
-            </a:br>
-            <a:r>
-              <a:rPr lang="de-DE" sz="1400" dirty="0">
-                <a:sym typeface="Wingdings" panose="05000000000000000000" pitchFamily="2" charset="2"/>
-              </a:rPr>
-              <a:t> klarer Rahmen der Arbeit reduziert Inhaltlichen Umfang der Arbeit stark und erhöht dabei die Präzision der Arbeit</a:t>
-            </a:r>
-            <a:endParaRPr lang="de-DE" sz="1400" dirty="0"/>
-          </a:p>
-        </p:txBody>
-      </p:sp>
-      <p:cxnSp>
-        <p:nvCxnSpPr>
-          <p:cNvPr id="15" name="Gerade Verbindung mit Pfeil 14">
-            <a:extLst>
-              <a:ext uri="{FF2B5EF4-FFF2-40B4-BE49-F238E27FC236}">
-                <a16:creationId xmlns:a16="http://schemas.microsoft.com/office/drawing/2014/main" id="{D014E91C-DAC0-CEDE-CF9D-7B2D73160F78}"/>
-              </a:ext>
-            </a:extLst>
-          </p:cNvPr>
-          <p:cNvCxnSpPr>
-            <a:cxnSpLocks/>
-            <a:stCxn id="6" idx="2"/>
-            <a:endCxn id="11" idx="0"/>
-          </p:cNvCxnSpPr>
-          <p:nvPr/>
-        </p:nvCxnSpPr>
-        <p:spPr>
-          <a:xfrm flipH="1">
-            <a:off x="7051624" y="1985766"/>
-            <a:ext cx="1" cy="364873"/>
-          </a:xfrm>
-          <a:prstGeom prst="straightConnector1">
-            <a:avLst/>
-          </a:prstGeom>
-          <a:ln w="38100">
-            <a:solidFill>
-              <a:srgbClr val="005B7F"/>
-            </a:solidFill>
-            <a:headEnd type="none" w="med" len="med"/>
-            <a:tailEnd type="triangle"/>
-          </a:ln>
-        </p:spPr>
-        <p:style>
-          <a:lnRef idx="1">
-            <a:schemeClr val="accent1"/>
-          </a:lnRef>
-          <a:fillRef idx="0">
-            <a:schemeClr val="accent1"/>
-          </a:fillRef>
-          <a:effectRef idx="0">
-            <a:schemeClr val="accent1"/>
-          </a:effectRef>
-          <a:fontRef idx="minor">
-            <a:schemeClr val="tx1"/>
-          </a:fontRef>
-        </p:style>
-      </p:cxnSp>
-      <p:sp>
-        <p:nvSpPr>
-          <p:cNvPr id="16" name="Textfeld 15">
-            <a:extLst>
-              <a:ext uri="{FF2B5EF4-FFF2-40B4-BE49-F238E27FC236}">
-                <a16:creationId xmlns:a16="http://schemas.microsoft.com/office/drawing/2014/main" id="{96544CD7-5B38-10A9-E16E-285655598F99}"/>
-              </a:ext>
-            </a:extLst>
-          </p:cNvPr>
-          <p:cNvSpPr txBox="1"/>
-          <p:nvPr/>
-        </p:nvSpPr>
-        <p:spPr>
-          <a:xfrm>
-            <a:off x="3480643" y="4309881"/>
-            <a:ext cx="7141962" cy="1764586"/>
-          </a:xfrm>
-          <a:prstGeom prst="rect">
-            <a:avLst/>
-          </a:prstGeom>
-          <a:noFill/>
-          <a:ln w="28575">
-            <a:solidFill>
-              <a:srgbClr val="FFC000"/>
-            </a:solidFill>
-          </a:ln>
-        </p:spPr>
-        <p:txBody>
-          <a:bodyPr wrap="square" lIns="0" tIns="0" rIns="0" bIns="0" rtlCol="0">
-            <a:spAutoFit/>
-          </a:bodyPr>
-          <a:lstStyle/>
-          <a:p>
-            <a:pPr algn="ctr">
-              <a:lnSpc>
-                <a:spcPts val="1960"/>
-              </a:lnSpc>
-              <a:buClr>
-                <a:schemeClr val="accent1"/>
-              </a:buClr>
-            </a:pPr>
-            <a:r>
-              <a:rPr lang="de-DE" sz="1400" dirty="0"/>
-              <a:t>Problem des Lösungsansatz:</a:t>
-            </a:r>
-          </a:p>
-          <a:p>
-            <a:pPr marL="285750" indent="-285750">
-              <a:buFont typeface="Wingdings" panose="05000000000000000000" pitchFamily="2" charset="2"/>
-              <a:buChar char="è"/>
-            </a:pPr>
-            <a:r>
-              <a:rPr lang="de-DE" sz="1400" dirty="0"/>
-              <a:t>Das Thema der Arbeit: </a:t>
-            </a:r>
-            <a:br>
-              <a:rPr lang="de-DE" sz="1400" dirty="0"/>
-            </a:br>
-            <a:r>
-              <a:rPr lang="de-DE" sz="1400" dirty="0"/>
-              <a:t>„</a:t>
-            </a:r>
-            <a:r>
-              <a:rPr lang="de-DE" sz="1400" i="0" u="none" strike="noStrike" baseline="0" dirty="0"/>
-              <a:t>Konzeption und Entwicklung einer datenbankseitigen Abbildung von frei definierbaren Bilanzräumen im Zusammenhang mit dem Energiemanagementsystem EMS-EDM PROPHET® nach ISO 50001.“</a:t>
-            </a:r>
-            <a:br>
-              <a:rPr lang="de-DE" sz="1400" i="0" u="none" strike="noStrike" baseline="0" dirty="0"/>
-            </a:br>
-            <a:r>
-              <a:rPr lang="de-DE" sz="1400" i="0" u="none" strike="noStrike" baseline="0" dirty="0"/>
-              <a:t>gibt nur einen sehr allgemeinen Rahmen.</a:t>
-            </a:r>
-            <a:endParaRPr lang="de-DE" sz="1100" i="0" u="none" strike="noStrike" baseline="0" dirty="0"/>
-          </a:p>
-          <a:p>
-            <a:pPr marL="285750" indent="-285750">
-              <a:buFont typeface="Wingdings" panose="05000000000000000000" pitchFamily="2" charset="2"/>
-              <a:buChar char="è"/>
-            </a:pPr>
-            <a:r>
-              <a:rPr lang="de-DE" sz="1400" i="0" u="none" strike="noStrike" baseline="0" dirty="0"/>
-              <a:t>Es wird von Bilanzräumen allgemein gesprochen (nicht Energiebilanzräume)</a:t>
-            </a:r>
-          </a:p>
-          <a:p>
-            <a:pPr marL="285750" indent="-285750">
-              <a:buFont typeface="Wingdings" panose="05000000000000000000" pitchFamily="2" charset="2"/>
-              <a:buChar char="è"/>
-            </a:pPr>
-            <a:r>
-              <a:rPr lang="de-DE" sz="1400" i="0" u="none" strike="noStrike" baseline="0" dirty="0"/>
-              <a:t>Das Thema definiert den Anwendungskontext nicht (tertiärer Wirtschaftssektor)</a:t>
-            </a:r>
-            <a:endParaRPr lang="de-DE" i="0" u="none" strike="noStrike" baseline="0" dirty="0"/>
-          </a:p>
-        </p:txBody>
-      </p:sp>
-    </p:spTree>
-    <p:extLst>
-      <p:ext uri="{BB962C8B-B14F-4D97-AF65-F5344CB8AC3E}">
-        <p14:creationId xmlns:p14="http://schemas.microsoft.com/office/powerpoint/2010/main" val="2138996746"/>
-      </p:ext>
-    </p:extLst>
-  </p:cSld>
-  <p:clrMapOvr>
-    <a:masterClrMapping/>
-  </p:clrMapOvr>
-</p:sld>
-</file>
-
-<file path=ppt/slides/slide12.xml><?xml version="1.0" encoding="utf-8"?>
-<p:sld xmlns:a="http://schemas.openxmlformats.org/drawingml/2006/main" xmlns:r="http://schemas.openxmlformats.org/officeDocument/2006/relationships" xmlns:p="http://schemas.openxmlformats.org/presentationml/2006/main">
-  <p:cSld>
-    <p:spTree>
-      <p:nvGrpSpPr>
-        <p:cNvPr id="1" name=""/>
-        <p:cNvGrpSpPr/>
-        <p:nvPr/>
-      </p:nvGrpSpPr>
-      <p:grpSpPr>
-        <a:xfrm>
-          <a:off x="0" y="0"/>
-          <a:ext cx="0" cy="0"/>
-          <a:chOff x="0" y="0"/>
-          <a:chExt cx="0" cy="0"/>
-        </a:xfrm>
-      </p:grpSpPr>
-      <p:pic>
-        <p:nvPicPr>
-          <p:cNvPr id="6" name="iosb_rgb_modul">
-            <a:extLst>
-              <a:ext uri="{FF2B5EF4-FFF2-40B4-BE49-F238E27FC236}">
-                <a16:creationId xmlns:a16="http://schemas.microsoft.com/office/drawing/2014/main" id="{DD7AD2D0-5D4A-4523-9F67-867979704F42}"/>
-              </a:ext>
-            </a:extLst>
-          </p:cNvPr>
-          <p:cNvPicPr>
-            <a:picLocks noChangeAspect="1"/>
-          </p:cNvPicPr>
-          <p:nvPr/>
-        </p:nvPicPr>
-        <p:blipFill>
-          <a:blip r:embed="rId2">
-            <a:extLst>
-              <a:ext uri="{28A0092B-C50C-407E-A947-70E740481C1C}">
-                <a14:useLocalDpi xmlns:a14="http://schemas.microsoft.com/office/drawing/2010/main" val="0"/>
-              </a:ext>
-            </a:extLst>
-          </a:blip>
-          <a:stretch>
-            <a:fillRect/>
-          </a:stretch>
-        </p:blipFill>
-        <p:spPr>
-          <a:xfrm>
-            <a:off x="1398743" y="0"/>
-            <a:ext cx="9394514" cy="3429000"/>
-          </a:xfrm>
-          <a:prstGeom prst="rect">
-            <a:avLst/>
-          </a:prstGeom>
-          <a:noFill/>
-        </p:spPr>
-      </p:pic>
-      <p:sp>
-        <p:nvSpPr>
-          <p:cNvPr id="7" name="Textplatzhalter 6">
-            <a:extLst>
-              <a:ext uri="{FF2B5EF4-FFF2-40B4-BE49-F238E27FC236}">
-                <a16:creationId xmlns:a16="http://schemas.microsoft.com/office/drawing/2014/main" id="{6378900C-3DF8-446D-8BFD-EBD50DCA4141}"/>
-              </a:ext>
-            </a:extLst>
-          </p:cNvPr>
-          <p:cNvSpPr>
-            <a:spLocks noGrp="1"/>
-          </p:cNvSpPr>
-          <p:nvPr>
-            <p:ph type="body" sz="quarter" idx="11"/>
-          </p:nvPr>
-        </p:nvSpPr>
-        <p:spPr bwMode="gray">
-          <a:xfrm>
-            <a:off x="-1" y="2357312"/>
-            <a:ext cx="7824787" cy="3148592"/>
-          </a:xfrm>
-        </p:spPr>
-        <p:txBody>
-          <a:bodyPr wrap="square" anchor="t">
-            <a:normAutofit/>
-          </a:bodyPr>
-          <a:lstStyle/>
-          <a:p>
-            <a:pPr>
-              <a:lnSpc>
-                <a:spcPct val="90000"/>
-              </a:lnSpc>
-            </a:pPr>
-            <a:r>
-              <a:rPr lang="de-DE" sz="2200" dirty="0"/>
-              <a:t>Neuer Aufbau (Theorieteil)</a:t>
-            </a:r>
-          </a:p>
-          <a:p>
-            <a:pPr lvl="1">
-              <a:lnSpc>
-                <a:spcPct val="90000"/>
-              </a:lnSpc>
-            </a:pPr>
-            <a:r>
-              <a:rPr lang="de-DE" sz="2200" dirty="0"/>
-              <a:t>—</a:t>
-            </a:r>
-          </a:p>
-          <a:p>
-            <a:pPr lvl="2">
-              <a:lnSpc>
-                <a:spcPct val="90000"/>
-              </a:lnSpc>
-            </a:pPr>
-            <a:r>
-              <a:rPr lang="de-DE" sz="2200" dirty="0"/>
-              <a:t>Fabian Heinlein</a:t>
-            </a:r>
-          </a:p>
-          <a:p>
-            <a:pPr lvl="2">
-              <a:lnSpc>
-                <a:spcPct val="90000"/>
-              </a:lnSpc>
-            </a:pPr>
-            <a:r>
-              <a:rPr lang="de-DE" sz="2200" dirty="0"/>
-              <a:t>22.01.2025</a:t>
-            </a:r>
-            <a:br>
-              <a:rPr lang="de-DE" sz="2200" dirty="0"/>
-            </a:br>
-            <a:r>
-              <a:rPr lang="de-DE" sz="2200" dirty="0"/>
-              <a:t>Bachelorarbeit</a:t>
-            </a:r>
-          </a:p>
-        </p:txBody>
-      </p:sp>
-    </p:spTree>
-    <p:extLst>
-      <p:ext uri="{BB962C8B-B14F-4D97-AF65-F5344CB8AC3E}">
-        <p14:creationId xmlns:p14="http://schemas.microsoft.com/office/powerpoint/2010/main" val="2282112081"/>
-      </p:ext>
-    </p:extLst>
-  </p:cSld>
-  <p:clrMapOvr>
-    <a:masterClrMapping/>
-  </p:clrMapOvr>
-</p:sld>
-</file>
-
-<file path=ppt/slides/slide13.xml><?xml version="1.0" encoding="utf-8"?>
-<p:sld xmlns:a="http://schemas.openxmlformats.org/drawingml/2006/main" xmlns:r="http://schemas.openxmlformats.org/officeDocument/2006/relationships" xmlns:p="http://schemas.openxmlformats.org/presentationml/2006/main">
-  <p:cSld>
-    <p:spTree>
-      <p:nvGrpSpPr>
-        <p:cNvPr id="1" name=""/>
-        <p:cNvGrpSpPr/>
-        <p:nvPr/>
-      </p:nvGrpSpPr>
-      <p:grpSpPr>
-        <a:xfrm>
-          <a:off x="0" y="0"/>
-          <a:ext cx="0" cy="0"/>
-          <a:chOff x="0" y="0"/>
-          <a:chExt cx="0" cy="0"/>
-        </a:xfrm>
-      </p:grpSpPr>
-      <p:sp>
-        <p:nvSpPr>
-          <p:cNvPr id="9" name="Titel 8">
-            <a:extLst>
-              <a:ext uri="{FF2B5EF4-FFF2-40B4-BE49-F238E27FC236}">
-                <a16:creationId xmlns:a16="http://schemas.microsoft.com/office/drawing/2014/main" id="{FC3078AA-FC84-15B8-630E-D5CBC8ED6988}"/>
-              </a:ext>
-            </a:extLst>
-          </p:cNvPr>
-          <p:cNvSpPr>
-            <a:spLocks noGrp="1"/>
-          </p:cNvSpPr>
-          <p:nvPr>
-            <p:ph type="title"/>
-          </p:nvPr>
-        </p:nvSpPr>
         <p:spPr>
           <a:xfrm>
             <a:off x="479425" y="395588"/>
@@ -14731,7 +13768,7 @@
           <a:p>
             <a:fld id="{E1C3EC00-F760-4C5A-A6D9-3E15A5323473}" type="datetime1">
               <a:rPr lang="de-DE" sz="700" noProof="0" smtClean="0"/>
-              <a:t>22.01.2025</a:t>
+              <a:t>23.01.2025</a:t>
             </a:fld>
             <a:endParaRPr lang="de-DE" sz="700" noProof="0" dirty="0"/>
           </a:p>
@@ -14774,7 +13811,7 @@
             <a:fld id="{401BA3E4-5E55-4F99-AF09-CC6D6B2539E2}" type="slidenum">
               <a:rPr lang="en-US" sz="700" smtClean="0"/>
               <a:pPr/>
-              <a:t>13</a:t>
+              <a:t>10</a:t>
             </a:fld>
             <a:endParaRPr lang="en-US" sz="700" dirty="0"/>
           </a:p>
@@ -15447,7 +14484,7 @@
 </p:sld>
 </file>
 
-<file path=ppt/slides/slide14.xml><?xml version="1.0" encoding="utf-8"?>
+<file path=ppt/slides/slide11.xml><?xml version="1.0" encoding="utf-8"?>
 <p:sld xmlns:a="http://schemas.openxmlformats.org/drawingml/2006/main" xmlns:r="http://schemas.openxmlformats.org/officeDocument/2006/relationships" xmlns:p="http://schemas.openxmlformats.org/presentationml/2006/main">
   <p:cSld>
     <p:spTree>
@@ -15594,7 +14631,7 @@
 </p:sld>
 </file>
 
-<file path=ppt/slides/slide15.xml><?xml version="1.0" encoding="utf-8"?>
+<file path=ppt/slides/slide12.xml><?xml version="1.0" encoding="utf-8"?>
 <p:sld xmlns:a="http://schemas.openxmlformats.org/drawingml/2006/main" xmlns:r="http://schemas.openxmlformats.org/officeDocument/2006/relationships" xmlns:p="http://schemas.openxmlformats.org/presentationml/2006/main">
   <p:cSld>
     <p:spTree>
@@ -15667,7 +14704,7 @@
           <a:p>
             <a:fld id="{E1C3EC00-F760-4C5A-A6D9-3E15A5323473}" type="datetime1">
               <a:rPr lang="de-DE" noProof="0" smtClean="0"/>
-              <a:t>22.01.2025</a:t>
+              <a:t>23.01.2025</a:t>
             </a:fld>
             <a:endParaRPr lang="de-DE" noProof="0" dirty="0"/>
           </a:p>
@@ -15710,7 +14747,7 @@
             <a:fld id="{401BA3E4-5E55-4F99-AF09-CC6D6B2539E2}" type="slidenum">
               <a:rPr lang="en-US" smtClean="0"/>
               <a:pPr/>
-              <a:t>15</a:t>
+              <a:t>12</a:t>
             </a:fld>
             <a:endParaRPr lang="en-US" dirty="0"/>
           </a:p>
@@ -16177,7 +15214,7 @@
                 <a:latin typeface="Calibri" panose="020F0502020204030204" pitchFamily="34" charset="0"/>
                 <a:cs typeface="Calibri" panose="020F0502020204030204" pitchFamily="34" charset="0"/>
               </a:rPr>
-              <a:t>07.02.2025</a:t>
+              <a:t>14.02.2025</a:t>
             </a:r>
             <a:endParaRPr lang="de-DE" sz="900" b="1" dirty="0">
               <a:latin typeface="Calibri" panose="020F0502020204030204" pitchFamily="34" charset="0"/>
@@ -16356,6 +15393,220 @@
 </file>
 
 <file path=ppt/slides/slide2.xml><?xml version="1.0" encoding="utf-8"?>
+<p:sld xmlns:a="http://schemas.openxmlformats.org/drawingml/2006/main" xmlns:r="http://schemas.openxmlformats.org/officeDocument/2006/relationships" xmlns:p="http://schemas.openxmlformats.org/presentationml/2006/main">
+  <p:cSld>
+    <p:spTree>
+      <p:nvGrpSpPr>
+        <p:cNvPr id="1" name="">
+          <a:extLst>
+            <a:ext uri="{FF2B5EF4-FFF2-40B4-BE49-F238E27FC236}">
+              <a16:creationId xmlns:a16="http://schemas.microsoft.com/office/drawing/2014/main" id="{65BA30B8-2BB9-57FE-F3E4-528B1466F783}"/>
+            </a:ext>
+          </a:extLst>
+        </p:cNvPr>
+        <p:cNvGrpSpPr/>
+        <p:nvPr/>
+      </p:nvGrpSpPr>
+      <p:grpSpPr>
+        <a:xfrm>
+          <a:off x="0" y="0"/>
+          <a:ext cx="0" cy="0"/>
+          <a:chOff x="0" y="0"/>
+          <a:chExt cx="0" cy="0"/>
+        </a:xfrm>
+      </p:grpSpPr>
+      <p:sp>
+        <p:nvSpPr>
+          <p:cNvPr id="9" name="Titel 8">
+            <a:extLst>
+              <a:ext uri="{FF2B5EF4-FFF2-40B4-BE49-F238E27FC236}">
+                <a16:creationId xmlns:a16="http://schemas.microsoft.com/office/drawing/2014/main" id="{269391D7-69D7-D58C-6BB7-06616D576018}"/>
+              </a:ext>
+            </a:extLst>
+          </p:cNvPr>
+          <p:cNvSpPr>
+            <a:spLocks noGrp="1"/>
+          </p:cNvSpPr>
+          <p:nvPr>
+            <p:ph type="title"/>
+          </p:nvPr>
+        </p:nvSpPr>
+        <p:spPr/>
+        <p:txBody>
+          <a:bodyPr/>
+          <a:lstStyle/>
+          <a:p>
+            <a:r>
+              <a:rPr lang="de-DE" dirty="0"/>
+              <a:t>Thema</a:t>
+            </a:r>
+          </a:p>
+        </p:txBody>
+      </p:sp>
+      <p:sp>
+        <p:nvSpPr>
+          <p:cNvPr id="3" name="Datumsplatzhalter 2">
+            <a:extLst>
+              <a:ext uri="{FF2B5EF4-FFF2-40B4-BE49-F238E27FC236}">
+                <a16:creationId xmlns:a16="http://schemas.microsoft.com/office/drawing/2014/main" id="{5EE1B6B3-F39F-578B-FA9F-1D72C61CEB0C}"/>
+              </a:ext>
+            </a:extLst>
+          </p:cNvPr>
+          <p:cNvSpPr>
+            <a:spLocks noGrp="1"/>
+          </p:cNvSpPr>
+          <p:nvPr>
+            <p:ph type="dt" sz="half" idx="10"/>
+          </p:nvPr>
+        </p:nvSpPr>
+        <p:spPr>
+          <a:xfrm>
+            <a:off x="991515" y="6438251"/>
+            <a:ext cx="720000" cy="123111"/>
+          </a:xfrm>
+        </p:spPr>
+        <p:txBody>
+          <a:bodyPr/>
+          <a:lstStyle/>
+          <a:p>
+            <a:fld id="{E1C3EC00-F760-4C5A-A6D9-3E15A5323473}" type="datetime1">
+              <a:rPr lang="de-DE" sz="900" noProof="0" smtClean="0"/>
+              <a:t>23.01.2025</a:t>
+            </a:fld>
+            <a:endParaRPr lang="de-DE" sz="900" noProof="0" dirty="0"/>
+          </a:p>
+        </p:txBody>
+      </p:sp>
+      <p:sp>
+        <p:nvSpPr>
+          <p:cNvPr id="5" name="Foliennummernplatzhalter 4">
+            <a:extLst>
+              <a:ext uri="{FF2B5EF4-FFF2-40B4-BE49-F238E27FC236}">
+                <a16:creationId xmlns:a16="http://schemas.microsoft.com/office/drawing/2014/main" id="{9928F6A4-370A-F75A-5410-3ED6C37FE8F1}"/>
+              </a:ext>
+            </a:extLst>
+          </p:cNvPr>
+          <p:cNvSpPr>
+            <a:spLocks noGrp="1"/>
+          </p:cNvSpPr>
+          <p:nvPr>
+            <p:ph type="sldNum" sz="quarter" idx="12"/>
+          </p:nvPr>
+        </p:nvSpPr>
+        <p:spPr>
+          <a:xfrm>
+            <a:off x="82892" y="6430557"/>
+            <a:ext cx="720000" cy="138499"/>
+          </a:xfrm>
+        </p:spPr>
+        <p:txBody>
+          <a:bodyPr/>
+          <a:lstStyle/>
+          <a:p>
+            <a:r>
+              <a:rPr lang="de-DE" sz="900" noProof="0"/>
+              <a:t>Seite</a:t>
+            </a:r>
+            <a:r>
+              <a:rPr lang="en-US" sz="900"/>
+              <a:t> </a:t>
+            </a:r>
+            <a:fld id="{401BA3E4-5E55-4F99-AF09-CC6D6B2539E2}" type="slidenum">
+              <a:rPr lang="en-US" sz="900" smtClean="0"/>
+              <a:pPr/>
+              <a:t>2</a:t>
+            </a:fld>
+            <a:endParaRPr lang="en-US" sz="900" dirty="0"/>
+          </a:p>
+        </p:txBody>
+      </p:sp>
+      <p:sp>
+        <p:nvSpPr>
+          <p:cNvPr id="6" name="Textfeld 5">
+            <a:extLst>
+              <a:ext uri="{FF2B5EF4-FFF2-40B4-BE49-F238E27FC236}">
+                <a16:creationId xmlns:a16="http://schemas.microsoft.com/office/drawing/2014/main" id="{AD9FC6FE-766A-6696-B3B0-9DC84D4A3204}"/>
+              </a:ext>
+            </a:extLst>
+          </p:cNvPr>
+          <p:cNvSpPr txBox="1"/>
+          <p:nvPr/>
+        </p:nvSpPr>
+        <p:spPr>
+          <a:xfrm>
+            <a:off x="3915567" y="1894172"/>
+            <a:ext cx="3763107" cy="2085636"/>
+          </a:xfrm>
+          <a:prstGeom prst="rect">
+            <a:avLst/>
+          </a:prstGeom>
+          <a:ln/>
+        </p:spPr>
+        <p:style>
+          <a:lnRef idx="1">
+            <a:schemeClr val="accent3"/>
+          </a:lnRef>
+          <a:fillRef idx="2">
+            <a:schemeClr val="accent3"/>
+          </a:fillRef>
+          <a:effectRef idx="1">
+            <a:schemeClr val="accent3"/>
+          </a:effectRef>
+          <a:fontRef idx="minor">
+            <a:schemeClr val="dk1"/>
+          </a:fontRef>
+        </p:style>
+        <p:txBody>
+          <a:bodyPr wrap="square" lIns="0" tIns="0" rIns="0" bIns="0" rtlCol="0">
+            <a:spAutoFit/>
+          </a:bodyPr>
+          <a:lstStyle/>
+          <a:p>
+            <a:pPr>
+              <a:lnSpc>
+                <a:spcPct val="110000"/>
+              </a:lnSpc>
+              <a:spcAft>
+                <a:spcPts val="1900"/>
+              </a:spcAft>
+              <a:buClr>
+                <a:schemeClr val="accent1"/>
+              </a:buClr>
+            </a:pPr>
+            <a:r>
+              <a:rPr lang="de-DE" sz="1600" b="1" dirty="0"/>
+              <a:t>Forschungsthema:</a:t>
+            </a:r>
+            <a:br>
+              <a:rPr lang="de-DE" sz="1600" b="1" dirty="0"/>
+            </a:br>
+            <a:r>
+              <a:rPr lang="de-DE" sz="1800" dirty="0">
+                <a:effectLst/>
+                <a:latin typeface="Aptos" panose="020B0004020202020204" pitchFamily="34" charset="0"/>
+                <a:ea typeface="Aptos" panose="020B0004020202020204" pitchFamily="34" charset="0"/>
+                <a:cs typeface="Times New Roman" panose="02020603050405020304" pitchFamily="18" charset="0"/>
+              </a:rPr>
+              <a:t>Konzeption und Entwicklung einer datenbankseitigen Abbildung von frei definierbaren Bilanzräumen im Zusammenhang mit dem Energiemanagementsystems EMS-EDM PROPHET® nach ISO 50001.</a:t>
+            </a:r>
+            <a:endParaRPr lang="de-DE" sz="1600" dirty="0"/>
+          </a:p>
+        </p:txBody>
+      </p:sp>
+    </p:spTree>
+    <p:extLst>
+      <p:ext uri="{BB962C8B-B14F-4D97-AF65-F5344CB8AC3E}">
+        <p14:creationId xmlns:p14="http://schemas.microsoft.com/office/powerpoint/2010/main" val="2493403534"/>
+      </p:ext>
+    </p:extLst>
+  </p:cSld>
+  <p:clrMapOvr>
+    <a:masterClrMapping/>
+  </p:clrMapOvr>
+</p:sld>
+</file>
+
+<file path=ppt/slides/slide3.xml><?xml version="1.0" encoding="utf-8"?>
 <p:sld xmlns:a="http://schemas.openxmlformats.org/drawingml/2006/main" xmlns:r="http://schemas.openxmlformats.org/officeDocument/2006/relationships" xmlns:p="http://schemas.openxmlformats.org/presentationml/2006/main">
   <p:cSld>
     <p:spTree>
@@ -16503,889 +15754,6 @@
     <p:extLst>
       <p:ext uri="{BB962C8B-B14F-4D97-AF65-F5344CB8AC3E}">
         <p14:creationId xmlns:p14="http://schemas.microsoft.com/office/powerpoint/2010/main" val="3784460617"/>
-      </p:ext>
-    </p:extLst>
-  </p:cSld>
-  <p:clrMapOvr>
-    <a:masterClrMapping/>
-  </p:clrMapOvr>
-</p:sld>
-</file>
-
-<file path=ppt/slides/slide3.xml><?xml version="1.0" encoding="utf-8"?>
-<p:sld xmlns:a="http://schemas.openxmlformats.org/drawingml/2006/main" xmlns:r="http://schemas.openxmlformats.org/officeDocument/2006/relationships" xmlns:p="http://schemas.openxmlformats.org/presentationml/2006/main">
-  <p:cSld>
-    <p:spTree>
-      <p:nvGrpSpPr>
-        <p:cNvPr id="1" name="">
-          <a:extLst>
-            <a:ext uri="{FF2B5EF4-FFF2-40B4-BE49-F238E27FC236}">
-              <a16:creationId xmlns:a16="http://schemas.microsoft.com/office/drawing/2014/main" id="{014BC552-4588-0553-E8F3-828A6C8871FC}"/>
-            </a:ext>
-          </a:extLst>
-        </p:cNvPr>
-        <p:cNvGrpSpPr/>
-        <p:nvPr/>
-      </p:nvGrpSpPr>
-      <p:grpSpPr>
-        <a:xfrm>
-          <a:off x="0" y="0"/>
-          <a:ext cx="0" cy="0"/>
-          <a:chOff x="0" y="0"/>
-          <a:chExt cx="0" cy="0"/>
-        </a:xfrm>
-      </p:grpSpPr>
-      <p:sp>
-        <p:nvSpPr>
-          <p:cNvPr id="9" name="Titel 8">
-            <a:extLst>
-              <a:ext uri="{FF2B5EF4-FFF2-40B4-BE49-F238E27FC236}">
-                <a16:creationId xmlns:a16="http://schemas.microsoft.com/office/drawing/2014/main" id="{1DF07976-AEF6-666E-D7E0-269CD881B35D}"/>
-              </a:ext>
-            </a:extLst>
-          </p:cNvPr>
-          <p:cNvSpPr>
-            <a:spLocks noGrp="1"/>
-          </p:cNvSpPr>
-          <p:nvPr>
-            <p:ph type="title"/>
-          </p:nvPr>
-        </p:nvSpPr>
-        <p:spPr/>
-        <p:txBody>
-          <a:bodyPr/>
-          <a:lstStyle/>
-          <a:p>
-            <a:r>
-              <a:rPr lang="de-DE" dirty="0"/>
-              <a:t>Probleme</a:t>
-            </a:r>
-          </a:p>
-        </p:txBody>
-      </p:sp>
-      <p:sp>
-        <p:nvSpPr>
-          <p:cNvPr id="3" name="Datumsplatzhalter 2">
-            <a:extLst>
-              <a:ext uri="{FF2B5EF4-FFF2-40B4-BE49-F238E27FC236}">
-                <a16:creationId xmlns:a16="http://schemas.microsoft.com/office/drawing/2014/main" id="{9BEB48E2-935A-BA04-A615-B75F26CA6C00}"/>
-              </a:ext>
-            </a:extLst>
-          </p:cNvPr>
-          <p:cNvSpPr>
-            <a:spLocks noGrp="1"/>
-          </p:cNvSpPr>
-          <p:nvPr>
-            <p:ph type="dt" sz="half" idx="10"/>
-          </p:nvPr>
-        </p:nvSpPr>
-        <p:spPr>
-          <a:xfrm>
-            <a:off x="991515" y="6438251"/>
-            <a:ext cx="720000" cy="123111"/>
-          </a:xfrm>
-        </p:spPr>
-        <p:txBody>
-          <a:bodyPr/>
-          <a:lstStyle/>
-          <a:p>
-            <a:fld id="{E1C3EC00-F760-4C5A-A6D9-3E15A5323473}" type="datetime1">
-              <a:rPr lang="de-DE" sz="900" noProof="0" smtClean="0"/>
-              <a:t>22.01.2025</a:t>
-            </a:fld>
-            <a:endParaRPr lang="de-DE" sz="900" noProof="0" dirty="0"/>
-          </a:p>
-        </p:txBody>
-      </p:sp>
-      <p:sp>
-        <p:nvSpPr>
-          <p:cNvPr id="5" name="Foliennummernplatzhalter 4">
-            <a:extLst>
-              <a:ext uri="{FF2B5EF4-FFF2-40B4-BE49-F238E27FC236}">
-                <a16:creationId xmlns:a16="http://schemas.microsoft.com/office/drawing/2014/main" id="{DCDD3126-669B-1877-267A-3AB0CAAA1280}"/>
-              </a:ext>
-            </a:extLst>
-          </p:cNvPr>
-          <p:cNvSpPr>
-            <a:spLocks noGrp="1"/>
-          </p:cNvSpPr>
-          <p:nvPr>
-            <p:ph type="sldNum" sz="quarter" idx="12"/>
-          </p:nvPr>
-        </p:nvSpPr>
-        <p:spPr>
-          <a:xfrm>
-            <a:off x="82892" y="6430557"/>
-            <a:ext cx="720000" cy="138499"/>
-          </a:xfrm>
-        </p:spPr>
-        <p:txBody>
-          <a:bodyPr/>
-          <a:lstStyle/>
-          <a:p>
-            <a:r>
-              <a:rPr lang="de-DE" sz="900" noProof="0"/>
-              <a:t>Seite</a:t>
-            </a:r>
-            <a:r>
-              <a:rPr lang="en-US" sz="900"/>
-              <a:t> </a:t>
-            </a:r>
-            <a:fld id="{401BA3E4-5E55-4F99-AF09-CC6D6B2539E2}" type="slidenum">
-              <a:rPr lang="en-US" sz="900" smtClean="0"/>
-              <a:pPr/>
-              <a:t>3</a:t>
-            </a:fld>
-            <a:endParaRPr lang="en-US" sz="900" dirty="0"/>
-          </a:p>
-        </p:txBody>
-      </p:sp>
-      <p:sp>
-        <p:nvSpPr>
-          <p:cNvPr id="10" name="Textplatzhalter 9">
-            <a:extLst>
-              <a:ext uri="{FF2B5EF4-FFF2-40B4-BE49-F238E27FC236}">
-                <a16:creationId xmlns:a16="http://schemas.microsoft.com/office/drawing/2014/main" id="{E136A4DB-6C29-A44A-3F6F-3F700649B81E}"/>
-              </a:ext>
-            </a:extLst>
-          </p:cNvPr>
-          <p:cNvSpPr>
-            <a:spLocks noGrp="1"/>
-          </p:cNvSpPr>
-          <p:nvPr>
-            <p:ph type="body" sz="quarter" idx="13"/>
-          </p:nvPr>
-        </p:nvSpPr>
-        <p:spPr/>
-        <p:txBody>
-          <a:bodyPr/>
-          <a:lstStyle/>
-          <a:p>
-            <a:r>
-              <a:rPr lang="de-DE" dirty="0"/>
-              <a:t>Hauptproblem</a:t>
-            </a:r>
-          </a:p>
-        </p:txBody>
-      </p:sp>
-      <p:sp>
-        <p:nvSpPr>
-          <p:cNvPr id="8" name="Textplatzhalter 7">
-            <a:extLst>
-              <a:ext uri="{FF2B5EF4-FFF2-40B4-BE49-F238E27FC236}">
-                <a16:creationId xmlns:a16="http://schemas.microsoft.com/office/drawing/2014/main" id="{95445EE2-701E-68F2-90A1-A69D4C6BFA3E}"/>
-              </a:ext>
-            </a:extLst>
-          </p:cNvPr>
-          <p:cNvSpPr>
-            <a:spLocks noGrp="1"/>
-          </p:cNvSpPr>
-          <p:nvPr>
-            <p:ph type="body" sz="quarter" idx="14"/>
-          </p:nvPr>
-        </p:nvSpPr>
-        <p:spPr>
-          <a:xfrm>
-            <a:off x="61041" y="3099002"/>
-            <a:ext cx="5437188" cy="526298"/>
-          </a:xfrm>
-        </p:spPr>
-        <p:txBody>
-          <a:bodyPr/>
-          <a:lstStyle/>
-          <a:p>
-            <a:r>
-              <a:rPr lang="de-DE" b="1" dirty="0">
-                <a:solidFill>
-                  <a:srgbClr val="179C7D"/>
-                </a:solidFill>
-                <a:latin typeface="+mn-lt"/>
-              </a:rPr>
-              <a:t>Problem:</a:t>
-            </a:r>
-            <a:br>
-              <a:rPr lang="de-DE" dirty="0">
-                <a:solidFill>
-                  <a:schemeClr val="tx1"/>
-                </a:solidFill>
-                <a:latin typeface="+mn-lt"/>
-              </a:rPr>
-            </a:br>
-            <a:r>
-              <a:rPr lang="de-DE" dirty="0">
-                <a:solidFill>
-                  <a:schemeClr val="tx1"/>
-                </a:solidFill>
-                <a:latin typeface="+mn-lt"/>
-              </a:rPr>
-              <a:t>Zu Großer Aufwand für eine zu kleine Zeitspanne</a:t>
-            </a:r>
-          </a:p>
-        </p:txBody>
-      </p:sp>
-      <p:sp>
-        <p:nvSpPr>
-          <p:cNvPr id="12" name="Textplatzhalter 7">
-            <a:extLst>
-              <a:ext uri="{FF2B5EF4-FFF2-40B4-BE49-F238E27FC236}">
-                <a16:creationId xmlns:a16="http://schemas.microsoft.com/office/drawing/2014/main" id="{5F1AA520-DFFC-613C-AD67-03086BA0BA81}"/>
-              </a:ext>
-            </a:extLst>
-          </p:cNvPr>
-          <p:cNvSpPr txBox="1">
-            <a:spLocks/>
-          </p:cNvSpPr>
-          <p:nvPr/>
-        </p:nvSpPr>
-        <p:spPr bwMode="gray">
-          <a:xfrm>
-            <a:off x="1655230" y="4430711"/>
-            <a:ext cx="1442842" cy="287066"/>
-          </a:xfrm>
-          <a:prstGeom prst="rect">
-            <a:avLst/>
-          </a:prstGeom>
-        </p:spPr>
-        <p:txBody>
-          <a:bodyPr vert="horz" wrap="square" lIns="0" tIns="0" rIns="0" bIns="0" rtlCol="0">
-            <a:spAutoFit/>
-          </a:bodyPr>
-          <a:lstStyle>
-            <a:lvl1pPr marL="0" indent="0" algn="l" defTabSz="914400" rtl="0" eaLnBrk="1" latinLnBrk="0" hangingPunct="1">
-              <a:lnSpc>
-                <a:spcPct val="110000"/>
-              </a:lnSpc>
-              <a:spcBef>
-                <a:spcPts val="0"/>
-              </a:spcBef>
-              <a:spcAft>
-                <a:spcPts val="1900"/>
-              </a:spcAft>
-              <a:buFont typeface="Arial" panose="020B0604020202020204" pitchFamily="34" charset="0"/>
-              <a:buNone/>
-              <a:defRPr sz="1600" b="0" kern="1200">
-                <a:solidFill>
-                  <a:schemeClr val="accent1"/>
-                </a:solidFill>
-                <a:latin typeface="+mj-lt"/>
-                <a:ea typeface="+mn-ea"/>
-                <a:cs typeface="+mn-cs"/>
-              </a:defRPr>
-            </a:lvl1pPr>
-            <a:lvl2pPr marL="0" indent="0" algn="l" defTabSz="914400" rtl="0" eaLnBrk="1" latinLnBrk="0" hangingPunct="1">
-              <a:lnSpc>
-                <a:spcPct val="110000"/>
-              </a:lnSpc>
-              <a:spcBef>
-                <a:spcPts val="0"/>
-              </a:spcBef>
-              <a:spcAft>
-                <a:spcPts val="1900"/>
-              </a:spcAft>
-              <a:buFont typeface="Arial" panose="020B0604020202020204" pitchFamily="34" charset="0"/>
-              <a:buNone/>
-              <a:defRPr sz="1400" kern="1200">
-                <a:solidFill>
-                  <a:schemeClr val="tx1"/>
-                </a:solidFill>
-                <a:latin typeface="+mn-lt"/>
-                <a:ea typeface="+mn-ea"/>
-                <a:cs typeface="+mn-cs"/>
-              </a:defRPr>
-            </a:lvl2pPr>
-            <a:lvl3pPr marL="0" indent="0" algn="l" defTabSz="914400" rtl="0" eaLnBrk="1" latinLnBrk="0" hangingPunct="1">
-              <a:lnSpc>
-                <a:spcPct val="110000"/>
-              </a:lnSpc>
-              <a:spcBef>
-                <a:spcPts val="0"/>
-              </a:spcBef>
-              <a:buFont typeface="Arial" panose="020B0604020202020204" pitchFamily="34" charset="0"/>
-              <a:buNone/>
-              <a:defRPr sz="1400" b="0" kern="1200">
-                <a:solidFill>
-                  <a:schemeClr val="tx1"/>
-                </a:solidFill>
-                <a:latin typeface="+mj-lt"/>
-                <a:ea typeface="+mn-ea"/>
-                <a:cs typeface="+mn-cs"/>
-              </a:defRPr>
-            </a:lvl3pPr>
-            <a:lvl4pPr marL="180000" indent="-180000" algn="l" defTabSz="914400" rtl="0" eaLnBrk="1" latinLnBrk="0" hangingPunct="1">
-              <a:lnSpc>
-                <a:spcPct val="110000"/>
-              </a:lnSpc>
-              <a:spcBef>
-                <a:spcPts val="0"/>
-              </a:spcBef>
-              <a:buClr>
-                <a:schemeClr val="accent1"/>
-              </a:buClr>
-              <a:buFont typeface="Wingdings" panose="05000000000000000000" pitchFamily="2" charset="2"/>
-              <a:buChar char="§"/>
-              <a:defRPr sz="1400" kern="1200">
-                <a:solidFill>
-                  <a:schemeClr val="tx1"/>
-                </a:solidFill>
-                <a:latin typeface="+mn-lt"/>
-                <a:ea typeface="+mn-ea"/>
-                <a:cs typeface="+mn-cs"/>
-              </a:defRPr>
-            </a:lvl4pPr>
-            <a:lvl5pPr marL="360000" indent="-180000" algn="l" defTabSz="914400" rtl="0" eaLnBrk="1" latinLnBrk="0" hangingPunct="1">
-              <a:lnSpc>
-                <a:spcPct val="110000"/>
-              </a:lnSpc>
-              <a:spcBef>
-                <a:spcPts val="0"/>
-              </a:spcBef>
-              <a:buClr>
-                <a:schemeClr val="bg2"/>
-              </a:buClr>
-              <a:buFont typeface="Wingdings" panose="05000000000000000000" pitchFamily="2" charset="2"/>
-              <a:buChar char="§"/>
-              <a:defRPr sz="1400" kern="1200">
-                <a:solidFill>
-                  <a:schemeClr val="tx1"/>
-                </a:solidFill>
-                <a:latin typeface="+mn-lt"/>
-                <a:ea typeface="+mn-ea"/>
-                <a:cs typeface="+mn-cs"/>
-              </a:defRPr>
-            </a:lvl5pPr>
-            <a:lvl6pPr marL="540000" indent="-180000" algn="l" defTabSz="914400" rtl="0" eaLnBrk="1" latinLnBrk="0" hangingPunct="1">
-              <a:lnSpc>
-                <a:spcPct val="110000"/>
-              </a:lnSpc>
-              <a:spcBef>
-                <a:spcPts val="0"/>
-              </a:spcBef>
-              <a:buClr>
-                <a:schemeClr val="bg2"/>
-              </a:buClr>
-              <a:buFont typeface="Wingdings" panose="05000000000000000000" pitchFamily="2" charset="2"/>
-              <a:buChar char="§"/>
-              <a:defRPr sz="1400" kern="1200">
-                <a:solidFill>
-                  <a:schemeClr val="tx1"/>
-                </a:solidFill>
-                <a:latin typeface="+mn-lt"/>
-                <a:ea typeface="+mn-ea"/>
-                <a:cs typeface="+mn-cs"/>
-              </a:defRPr>
-            </a:lvl6pPr>
-            <a:lvl7pPr marL="216000" indent="-216000" algn="l" defTabSz="914400" rtl="0" eaLnBrk="1" latinLnBrk="0" hangingPunct="1">
-              <a:lnSpc>
-                <a:spcPct val="110000"/>
-              </a:lnSpc>
-              <a:spcBef>
-                <a:spcPts val="0"/>
-              </a:spcBef>
-              <a:buClr>
-                <a:schemeClr val="accent1"/>
-              </a:buClr>
-              <a:buFont typeface="+mj-lt"/>
-              <a:buAutoNum type="arabicPeriod"/>
-              <a:defRPr sz="1400" kern="1200">
-                <a:solidFill>
-                  <a:schemeClr val="tx1"/>
-                </a:solidFill>
-                <a:latin typeface="+mn-lt"/>
-                <a:ea typeface="+mn-ea"/>
-                <a:cs typeface="+mn-cs"/>
-              </a:defRPr>
-            </a:lvl7pPr>
-            <a:lvl8pPr marL="432000" indent="-216000" algn="l" defTabSz="914400" rtl="0" eaLnBrk="1" latinLnBrk="0" hangingPunct="1">
-              <a:lnSpc>
-                <a:spcPct val="110000"/>
-              </a:lnSpc>
-              <a:spcBef>
-                <a:spcPts val="0"/>
-              </a:spcBef>
-              <a:buClr>
-                <a:schemeClr val="bg2"/>
-              </a:buClr>
-              <a:buFont typeface="+mj-lt"/>
-              <a:buAutoNum type="arabicPeriod"/>
-              <a:defRPr sz="1400" kern="1200">
-                <a:solidFill>
-                  <a:schemeClr val="tx1"/>
-                </a:solidFill>
-                <a:latin typeface="+mn-lt"/>
-                <a:ea typeface="+mn-ea"/>
-                <a:cs typeface="+mn-cs"/>
-              </a:defRPr>
-            </a:lvl8pPr>
-            <a:lvl9pPr marL="648000" indent="-216000" algn="l" defTabSz="914400" rtl="0" eaLnBrk="1" latinLnBrk="0" hangingPunct="1">
-              <a:lnSpc>
-                <a:spcPct val="110000"/>
-              </a:lnSpc>
-              <a:spcBef>
-                <a:spcPts val="0"/>
-              </a:spcBef>
-              <a:buClr>
-                <a:schemeClr val="bg2"/>
-              </a:buClr>
-              <a:buFont typeface="+mj-lt"/>
-              <a:buAutoNum type="arabicPeriod"/>
-              <a:defRPr sz="1400" kern="1200">
-                <a:solidFill>
-                  <a:schemeClr val="tx1"/>
-                </a:solidFill>
-                <a:latin typeface="+mn-lt"/>
-                <a:ea typeface="+mn-ea"/>
-                <a:cs typeface="+mn-cs"/>
-              </a:defRPr>
-            </a:lvl9pPr>
-          </a:lstStyle>
-          <a:p>
-            <a:r>
-              <a:rPr lang="de-DE" sz="1800" dirty="0">
-                <a:solidFill>
-                  <a:schemeClr val="tx1"/>
-                </a:solidFill>
-                <a:latin typeface="+mn-lt"/>
-              </a:rPr>
-              <a:t>Überarbeitung</a:t>
-            </a:r>
-          </a:p>
-        </p:txBody>
-      </p:sp>
-      <p:sp>
-        <p:nvSpPr>
-          <p:cNvPr id="13" name="Textplatzhalter 7">
-            <a:extLst>
-              <a:ext uri="{FF2B5EF4-FFF2-40B4-BE49-F238E27FC236}">
-                <a16:creationId xmlns:a16="http://schemas.microsoft.com/office/drawing/2014/main" id="{B5A4A776-F136-99B6-6E94-0FA65AD8F75F}"/>
-              </a:ext>
-            </a:extLst>
-          </p:cNvPr>
-          <p:cNvSpPr txBox="1">
-            <a:spLocks/>
-          </p:cNvSpPr>
-          <p:nvPr/>
-        </p:nvSpPr>
-        <p:spPr bwMode="gray">
-          <a:xfrm>
-            <a:off x="1080805" y="5522200"/>
-            <a:ext cx="2581321" cy="287386"/>
-          </a:xfrm>
-          <a:prstGeom prst="rect">
-            <a:avLst/>
-          </a:prstGeom>
-        </p:spPr>
-        <p:txBody>
-          <a:bodyPr vert="horz" wrap="square" lIns="0" tIns="0" rIns="0" bIns="0" rtlCol="0">
-            <a:spAutoFit/>
-          </a:bodyPr>
-          <a:lstStyle>
-            <a:lvl1pPr marL="0" indent="0" algn="l" defTabSz="914400" rtl="0" eaLnBrk="1" latinLnBrk="0" hangingPunct="1">
-              <a:lnSpc>
-                <a:spcPct val="110000"/>
-              </a:lnSpc>
-              <a:spcBef>
-                <a:spcPts val="0"/>
-              </a:spcBef>
-              <a:spcAft>
-                <a:spcPts val="1900"/>
-              </a:spcAft>
-              <a:buFont typeface="Arial" panose="020B0604020202020204" pitchFamily="34" charset="0"/>
-              <a:buNone/>
-              <a:defRPr sz="1600" b="0" kern="1200">
-                <a:solidFill>
-                  <a:schemeClr val="accent1"/>
-                </a:solidFill>
-                <a:latin typeface="+mj-lt"/>
-                <a:ea typeface="+mn-ea"/>
-                <a:cs typeface="+mn-cs"/>
-              </a:defRPr>
-            </a:lvl1pPr>
-            <a:lvl2pPr marL="0" indent="0" algn="l" defTabSz="914400" rtl="0" eaLnBrk="1" latinLnBrk="0" hangingPunct="1">
-              <a:lnSpc>
-                <a:spcPct val="110000"/>
-              </a:lnSpc>
-              <a:spcBef>
-                <a:spcPts val="0"/>
-              </a:spcBef>
-              <a:spcAft>
-                <a:spcPts val="1900"/>
-              </a:spcAft>
-              <a:buFont typeface="Arial" panose="020B0604020202020204" pitchFamily="34" charset="0"/>
-              <a:buNone/>
-              <a:defRPr sz="1400" kern="1200">
-                <a:solidFill>
-                  <a:schemeClr val="tx1"/>
-                </a:solidFill>
-                <a:latin typeface="+mn-lt"/>
-                <a:ea typeface="+mn-ea"/>
-                <a:cs typeface="+mn-cs"/>
-              </a:defRPr>
-            </a:lvl2pPr>
-            <a:lvl3pPr marL="0" indent="0" algn="l" defTabSz="914400" rtl="0" eaLnBrk="1" latinLnBrk="0" hangingPunct="1">
-              <a:lnSpc>
-                <a:spcPct val="110000"/>
-              </a:lnSpc>
-              <a:spcBef>
-                <a:spcPts val="0"/>
-              </a:spcBef>
-              <a:buFont typeface="Arial" panose="020B0604020202020204" pitchFamily="34" charset="0"/>
-              <a:buNone/>
-              <a:defRPr sz="1400" b="0" kern="1200">
-                <a:solidFill>
-                  <a:schemeClr val="tx1"/>
-                </a:solidFill>
-                <a:latin typeface="+mj-lt"/>
-                <a:ea typeface="+mn-ea"/>
-                <a:cs typeface="+mn-cs"/>
-              </a:defRPr>
-            </a:lvl3pPr>
-            <a:lvl4pPr marL="180000" indent="-180000" algn="l" defTabSz="914400" rtl="0" eaLnBrk="1" latinLnBrk="0" hangingPunct="1">
-              <a:lnSpc>
-                <a:spcPct val="110000"/>
-              </a:lnSpc>
-              <a:spcBef>
-                <a:spcPts val="0"/>
-              </a:spcBef>
-              <a:buClr>
-                <a:schemeClr val="accent1"/>
-              </a:buClr>
-              <a:buFont typeface="Wingdings" panose="05000000000000000000" pitchFamily="2" charset="2"/>
-              <a:buChar char="§"/>
-              <a:defRPr sz="1400" kern="1200">
-                <a:solidFill>
-                  <a:schemeClr val="tx1"/>
-                </a:solidFill>
-                <a:latin typeface="+mn-lt"/>
-                <a:ea typeface="+mn-ea"/>
-                <a:cs typeface="+mn-cs"/>
-              </a:defRPr>
-            </a:lvl4pPr>
-            <a:lvl5pPr marL="360000" indent="-180000" algn="l" defTabSz="914400" rtl="0" eaLnBrk="1" latinLnBrk="0" hangingPunct="1">
-              <a:lnSpc>
-                <a:spcPct val="110000"/>
-              </a:lnSpc>
-              <a:spcBef>
-                <a:spcPts val="0"/>
-              </a:spcBef>
-              <a:buClr>
-                <a:schemeClr val="bg2"/>
-              </a:buClr>
-              <a:buFont typeface="Wingdings" panose="05000000000000000000" pitchFamily="2" charset="2"/>
-              <a:buChar char="§"/>
-              <a:defRPr sz="1400" kern="1200">
-                <a:solidFill>
-                  <a:schemeClr val="tx1"/>
-                </a:solidFill>
-                <a:latin typeface="+mn-lt"/>
-                <a:ea typeface="+mn-ea"/>
-                <a:cs typeface="+mn-cs"/>
-              </a:defRPr>
-            </a:lvl5pPr>
-            <a:lvl6pPr marL="540000" indent="-180000" algn="l" defTabSz="914400" rtl="0" eaLnBrk="1" latinLnBrk="0" hangingPunct="1">
-              <a:lnSpc>
-                <a:spcPct val="110000"/>
-              </a:lnSpc>
-              <a:spcBef>
-                <a:spcPts val="0"/>
-              </a:spcBef>
-              <a:buClr>
-                <a:schemeClr val="bg2"/>
-              </a:buClr>
-              <a:buFont typeface="Wingdings" panose="05000000000000000000" pitchFamily="2" charset="2"/>
-              <a:buChar char="§"/>
-              <a:defRPr sz="1400" kern="1200">
-                <a:solidFill>
-                  <a:schemeClr val="tx1"/>
-                </a:solidFill>
-                <a:latin typeface="+mn-lt"/>
-                <a:ea typeface="+mn-ea"/>
-                <a:cs typeface="+mn-cs"/>
-              </a:defRPr>
-            </a:lvl6pPr>
-            <a:lvl7pPr marL="216000" indent="-216000" algn="l" defTabSz="914400" rtl="0" eaLnBrk="1" latinLnBrk="0" hangingPunct="1">
-              <a:lnSpc>
-                <a:spcPct val="110000"/>
-              </a:lnSpc>
-              <a:spcBef>
-                <a:spcPts val="0"/>
-              </a:spcBef>
-              <a:buClr>
-                <a:schemeClr val="accent1"/>
-              </a:buClr>
-              <a:buFont typeface="+mj-lt"/>
-              <a:buAutoNum type="arabicPeriod"/>
-              <a:defRPr sz="1400" kern="1200">
-                <a:solidFill>
-                  <a:schemeClr val="tx1"/>
-                </a:solidFill>
-                <a:latin typeface="+mn-lt"/>
-                <a:ea typeface="+mn-ea"/>
-                <a:cs typeface="+mn-cs"/>
-              </a:defRPr>
-            </a:lvl7pPr>
-            <a:lvl8pPr marL="432000" indent="-216000" algn="l" defTabSz="914400" rtl="0" eaLnBrk="1" latinLnBrk="0" hangingPunct="1">
-              <a:lnSpc>
-                <a:spcPct val="110000"/>
-              </a:lnSpc>
-              <a:spcBef>
-                <a:spcPts val="0"/>
-              </a:spcBef>
-              <a:buClr>
-                <a:schemeClr val="bg2"/>
-              </a:buClr>
-              <a:buFont typeface="+mj-lt"/>
-              <a:buAutoNum type="arabicPeriod"/>
-              <a:defRPr sz="1400" kern="1200">
-                <a:solidFill>
-                  <a:schemeClr val="tx1"/>
-                </a:solidFill>
-                <a:latin typeface="+mn-lt"/>
-                <a:ea typeface="+mn-ea"/>
-                <a:cs typeface="+mn-cs"/>
-              </a:defRPr>
-            </a:lvl8pPr>
-            <a:lvl9pPr marL="648000" indent="-216000" algn="l" defTabSz="914400" rtl="0" eaLnBrk="1" latinLnBrk="0" hangingPunct="1">
-              <a:lnSpc>
-                <a:spcPct val="110000"/>
-              </a:lnSpc>
-              <a:spcBef>
-                <a:spcPts val="0"/>
-              </a:spcBef>
-              <a:buClr>
-                <a:schemeClr val="bg2"/>
-              </a:buClr>
-              <a:buFont typeface="+mj-lt"/>
-              <a:buAutoNum type="arabicPeriod"/>
-              <a:defRPr sz="1400" kern="1200">
-                <a:solidFill>
-                  <a:schemeClr val="tx1"/>
-                </a:solidFill>
-                <a:latin typeface="+mn-lt"/>
-                <a:ea typeface="+mn-ea"/>
-                <a:cs typeface="+mn-cs"/>
-              </a:defRPr>
-            </a:lvl9pPr>
-          </a:lstStyle>
-          <a:p>
-            <a:r>
-              <a:rPr lang="de-DE" sz="1800" dirty="0">
-                <a:solidFill>
-                  <a:schemeClr val="tx1"/>
-                </a:solidFill>
-                <a:latin typeface="+mn-lt"/>
-              </a:rPr>
-              <a:t>Gesundheitliche Probleme</a:t>
-            </a:r>
-          </a:p>
-        </p:txBody>
-      </p:sp>
-      <p:pic>
-        <p:nvPicPr>
-          <p:cNvPr id="15" name="Grafik 14">
-            <a:extLst>
-              <a:ext uri="{FF2B5EF4-FFF2-40B4-BE49-F238E27FC236}">
-                <a16:creationId xmlns:a16="http://schemas.microsoft.com/office/drawing/2014/main" id="{E42D9367-0320-328D-E5B0-72A890CFB5DE}"/>
-              </a:ext>
-            </a:extLst>
-          </p:cNvPr>
-          <p:cNvPicPr>
-            <a:picLocks noChangeAspect="1"/>
-          </p:cNvPicPr>
-          <p:nvPr/>
-        </p:nvPicPr>
-        <p:blipFill>
-          <a:blip r:embed="rId2"/>
-          <a:stretch>
-            <a:fillRect/>
-          </a:stretch>
-        </p:blipFill>
-        <p:spPr>
-          <a:xfrm>
-            <a:off x="5624361" y="133492"/>
-            <a:ext cx="3458915" cy="4809142"/>
-          </a:xfrm>
-          <a:prstGeom prst="rect">
-            <a:avLst/>
-          </a:prstGeom>
-        </p:spPr>
-      </p:pic>
-      <p:pic>
-        <p:nvPicPr>
-          <p:cNvPr id="17" name="Grafik 16">
-            <a:extLst>
-              <a:ext uri="{FF2B5EF4-FFF2-40B4-BE49-F238E27FC236}">
-                <a16:creationId xmlns:a16="http://schemas.microsoft.com/office/drawing/2014/main" id="{DDB1D11A-569B-BCE0-BB60-9F11037CE573}"/>
-              </a:ext>
-            </a:extLst>
-          </p:cNvPr>
-          <p:cNvPicPr>
-            <a:picLocks noChangeAspect="1"/>
-          </p:cNvPicPr>
-          <p:nvPr/>
-        </p:nvPicPr>
-        <p:blipFill>
-          <a:blip r:embed="rId3"/>
-          <a:stretch>
-            <a:fillRect/>
-          </a:stretch>
-        </p:blipFill>
-        <p:spPr>
-          <a:xfrm>
-            <a:off x="8482387" y="1853827"/>
-            <a:ext cx="3230188" cy="4149841"/>
-          </a:xfrm>
-          <a:prstGeom prst="rect">
-            <a:avLst/>
-          </a:prstGeom>
-        </p:spPr>
-      </p:pic>
-      <p:cxnSp>
-        <p:nvCxnSpPr>
-          <p:cNvPr id="20" name="Gerade Verbindung mit Pfeil 19">
-            <a:extLst>
-              <a:ext uri="{FF2B5EF4-FFF2-40B4-BE49-F238E27FC236}">
-                <a16:creationId xmlns:a16="http://schemas.microsoft.com/office/drawing/2014/main" id="{B148D460-6C99-7FBD-A166-FD94F1C4CDBE}"/>
-              </a:ext>
-            </a:extLst>
-          </p:cNvPr>
-          <p:cNvCxnSpPr>
-            <a:cxnSpLocks/>
-          </p:cNvCxnSpPr>
-          <p:nvPr/>
-        </p:nvCxnSpPr>
-        <p:spPr>
-          <a:xfrm flipH="1">
-            <a:off x="2376651" y="3626288"/>
-            <a:ext cx="5185" cy="819866"/>
-          </a:xfrm>
-          <a:prstGeom prst="straightConnector1">
-            <a:avLst/>
-          </a:prstGeom>
-          <a:ln w="38100">
-            <a:solidFill>
-              <a:srgbClr val="179C7D"/>
-            </a:solidFill>
-            <a:headEnd type="none" w="med" len="med"/>
-            <a:tailEnd type="triangle"/>
-          </a:ln>
-        </p:spPr>
-        <p:style>
-          <a:lnRef idx="1">
-            <a:schemeClr val="accent1"/>
-          </a:lnRef>
-          <a:fillRef idx="0">
-            <a:schemeClr val="accent1"/>
-          </a:fillRef>
-          <a:effectRef idx="0">
-            <a:schemeClr val="accent1"/>
-          </a:effectRef>
-          <a:fontRef idx="minor">
-            <a:schemeClr val="tx1"/>
-          </a:fontRef>
-        </p:style>
-      </p:cxnSp>
-      <p:cxnSp>
-        <p:nvCxnSpPr>
-          <p:cNvPr id="21" name="Gerade Verbindung mit Pfeil 20">
-            <a:extLst>
-              <a:ext uri="{FF2B5EF4-FFF2-40B4-BE49-F238E27FC236}">
-                <a16:creationId xmlns:a16="http://schemas.microsoft.com/office/drawing/2014/main" id="{9283733C-4058-A3F5-E958-7F82F3304021}"/>
-              </a:ext>
-            </a:extLst>
-          </p:cNvPr>
-          <p:cNvCxnSpPr/>
-          <p:nvPr/>
-        </p:nvCxnSpPr>
-        <p:spPr>
-          <a:xfrm flipH="1">
-            <a:off x="2371466" y="4702334"/>
-            <a:ext cx="5185" cy="819866"/>
-          </a:xfrm>
-          <a:prstGeom prst="straightConnector1">
-            <a:avLst/>
-          </a:prstGeom>
-          <a:ln w="38100">
-            <a:solidFill>
-              <a:srgbClr val="179C7D"/>
-            </a:solidFill>
-            <a:headEnd type="none" w="med" len="med"/>
-            <a:tailEnd type="triangle"/>
-          </a:ln>
-        </p:spPr>
-        <p:style>
-          <a:lnRef idx="1">
-            <a:schemeClr val="accent1"/>
-          </a:lnRef>
-          <a:fillRef idx="0">
-            <a:schemeClr val="accent1"/>
-          </a:fillRef>
-          <a:effectRef idx="0">
-            <a:schemeClr val="accent1"/>
-          </a:effectRef>
-          <a:fontRef idx="minor">
-            <a:schemeClr val="tx1"/>
-          </a:fontRef>
-        </p:style>
-      </p:cxnSp>
-      <p:sp>
-        <p:nvSpPr>
-          <p:cNvPr id="22" name="Textfeld 21">
-            <a:extLst>
-              <a:ext uri="{FF2B5EF4-FFF2-40B4-BE49-F238E27FC236}">
-                <a16:creationId xmlns:a16="http://schemas.microsoft.com/office/drawing/2014/main" id="{2954ECB4-1BD8-37C0-F572-738024630379}"/>
-              </a:ext>
-            </a:extLst>
-          </p:cNvPr>
-          <p:cNvSpPr txBox="1"/>
-          <p:nvPr/>
-        </p:nvSpPr>
-        <p:spPr>
-          <a:xfrm>
-            <a:off x="61041" y="1360038"/>
-            <a:ext cx="5678278" cy="1231106"/>
-          </a:xfrm>
-          <a:prstGeom prst="rect">
-            <a:avLst/>
-          </a:prstGeom>
-          <a:noFill/>
-        </p:spPr>
-        <p:txBody>
-          <a:bodyPr wrap="square" lIns="0" tIns="0" rIns="0" bIns="0" rtlCol="0">
-            <a:spAutoFit/>
-          </a:bodyPr>
-          <a:lstStyle/>
-          <a:p>
-            <a:pPr algn="l"/>
-            <a:r>
-              <a:rPr lang="de-DE" sz="1600" b="1" i="0" u="none" strike="noStrike" baseline="0" dirty="0">
-                <a:solidFill>
-                  <a:srgbClr val="179C7D"/>
-                </a:solidFill>
-              </a:rPr>
-              <a:t>Thema:</a:t>
-            </a:r>
-          </a:p>
-          <a:p>
-            <a:pPr algn="l"/>
-            <a:r>
-              <a:rPr lang="de-DE" sz="1600" i="0" u="none" strike="noStrike" baseline="0" dirty="0"/>
-              <a:t>Konzeption und Entwicklung einer datenbankseitigen Abbildung von frei definierbaren Bilanzräumen im Zusammenhang mit dem</a:t>
-            </a:r>
-          </a:p>
-          <a:p>
-            <a:pPr algn="l"/>
-            <a:r>
-              <a:rPr lang="de-DE" sz="1600" i="0" u="none" strike="noStrike" baseline="0" dirty="0"/>
-              <a:t>Energiemanagementsystem EMS-EDM PROPHET® nach ISO 50001.</a:t>
-            </a:r>
-            <a:endParaRPr lang="de-DE" sz="1200" dirty="0"/>
-          </a:p>
-        </p:txBody>
-      </p:sp>
-    </p:spTree>
-    <p:extLst>
-      <p:ext uri="{BB962C8B-B14F-4D97-AF65-F5344CB8AC3E}">
-        <p14:creationId xmlns:p14="http://schemas.microsoft.com/office/powerpoint/2010/main" val="325883470"/>
       </p:ext>
     </p:extLst>
   </p:cSld>
@@ -17474,7 +15842,7 @@
           <a:p>
             <a:fld id="{E1C3EC00-F760-4C5A-A6D9-3E15A5323473}" type="datetime1">
               <a:rPr lang="de-DE" sz="900" noProof="0" smtClean="0"/>
-              <a:t>22.01.2025</a:t>
+              <a:t>23.01.2025</a:t>
             </a:fld>
             <a:endParaRPr lang="de-DE" sz="900" noProof="0" dirty="0"/>
           </a:p>
@@ -17553,89 +15921,19 @@
       </p:sp>
       <p:sp>
         <p:nvSpPr>
-          <p:cNvPr id="4" name="Textplatzhalter 3">
-            <a:extLst>
-              <a:ext uri="{FF2B5EF4-FFF2-40B4-BE49-F238E27FC236}">
-                <a16:creationId xmlns:a16="http://schemas.microsoft.com/office/drawing/2014/main" id="{DE9A2B85-5960-AF4A-06CE-7C1165EEC82B}"/>
-              </a:ext>
-            </a:extLst>
-          </p:cNvPr>
-          <p:cNvSpPr>
-            <a:spLocks noGrp="1"/>
-          </p:cNvSpPr>
-          <p:nvPr>
-            <p:ph type="body" sz="quarter" idx="14"/>
-          </p:nvPr>
+          <p:cNvPr id="6" name="Textfeld 5">
+            <a:extLst>
+              <a:ext uri="{FF2B5EF4-FFF2-40B4-BE49-F238E27FC236}">
+                <a16:creationId xmlns:a16="http://schemas.microsoft.com/office/drawing/2014/main" id="{C69EA28D-035D-545E-2716-0E9DCC12DA8A}"/>
+              </a:ext>
+            </a:extLst>
+          </p:cNvPr>
+          <p:cNvSpPr txBox="1"/>
+          <p:nvPr/>
         </p:nvSpPr>
         <p:spPr>
           <a:xfrm>
-            <a:off x="479425" y="1512259"/>
-            <a:ext cx="6994648" cy="1067985"/>
-          </a:xfrm>
-        </p:spPr>
-        <p:txBody>
-          <a:bodyPr/>
-          <a:lstStyle/>
-          <a:p>
-            <a:r>
-              <a:rPr lang="de-DE" dirty="0">
-                <a:latin typeface="+mn-lt"/>
-              </a:rPr>
-              <a:t>Das breite Ziel der Bachelorarbeit und die </a:t>
-            </a:r>
-            <a:r>
-              <a:rPr lang="de-DE" b="1" dirty="0">
-                <a:latin typeface="+mn-lt"/>
-              </a:rPr>
-              <a:t>Vielzahl an Themen </a:t>
-            </a:r>
-            <a:r>
-              <a:rPr lang="de-DE" dirty="0">
-                <a:latin typeface="+mn-lt"/>
-              </a:rPr>
-              <a:t>(Bilanzräume, KPIs, technische Herausforderungen) führten dazu, dass die Arbeit </a:t>
-            </a:r>
-            <a:r>
-              <a:rPr lang="de-DE" b="1" dirty="0">
-                <a:latin typeface="+mn-lt"/>
-              </a:rPr>
-              <a:t>inhaltlich den Rahmen sprengte</a:t>
-            </a:r>
-            <a:r>
-              <a:rPr lang="de-DE" dirty="0">
-                <a:latin typeface="+mn-lt"/>
-              </a:rPr>
-              <a:t>. </a:t>
-            </a:r>
-            <a:br>
-              <a:rPr lang="de-DE" dirty="0">
-                <a:latin typeface="+mn-lt"/>
-              </a:rPr>
-            </a:br>
-            <a:r>
-              <a:rPr lang="de-DE" dirty="0">
-                <a:latin typeface="+mn-lt"/>
-              </a:rPr>
-              <a:t>Der Anspruch auf Vollständigkeit machte die Ausarbeitung zu umfangreich.</a:t>
-            </a:r>
-          </a:p>
-        </p:txBody>
-      </p:sp>
-      <p:sp>
-        <p:nvSpPr>
-          <p:cNvPr id="6" name="Textfeld 5">
-            <a:extLst>
-              <a:ext uri="{FF2B5EF4-FFF2-40B4-BE49-F238E27FC236}">
-                <a16:creationId xmlns:a16="http://schemas.microsoft.com/office/drawing/2014/main" id="{C69EA28D-035D-545E-2716-0E9DCC12DA8A}"/>
-              </a:ext>
-            </a:extLst>
-          </p:cNvPr>
-          <p:cNvSpPr txBox="1"/>
-          <p:nvPr/>
-        </p:nvSpPr>
-        <p:spPr>
-          <a:xfrm>
-            <a:off x="7474073" y="486168"/>
+            <a:off x="4341080" y="472778"/>
             <a:ext cx="3763107" cy="2422202"/>
           </a:xfrm>
           <a:prstGeom prst="rect">
@@ -17718,7 +16016,7 @@
         </p:nvSpPr>
         <p:spPr>
           <a:xfrm>
-            <a:off x="479425" y="3216737"/>
+            <a:off x="452265" y="3063220"/>
             <a:ext cx="3763107" cy="2151295"/>
           </a:xfrm>
           <a:prstGeom prst="rect">
@@ -17809,7 +16107,7 @@
         </p:nvSpPr>
         <p:spPr>
           <a:xfrm>
-            <a:off x="8202735" y="3214036"/>
+            <a:off x="8229895" y="3063220"/>
             <a:ext cx="3763107" cy="2151358"/>
           </a:xfrm>
           <a:prstGeom prst="rect">
@@ -17900,7 +16198,7 @@
         </p:nvSpPr>
         <p:spPr>
           <a:xfrm>
-            <a:off x="4341080" y="3213913"/>
+            <a:off x="4341080" y="3063220"/>
             <a:ext cx="3763107" cy="2693045"/>
           </a:xfrm>
           <a:prstGeom prst="rect">
@@ -17974,6 +16272,144 @@
               <a:rPr lang="de-DE" sz="1600" dirty="0"/>
               <a:t> werden?</a:t>
             </a:r>
+          </a:p>
+        </p:txBody>
+      </p:sp>
+      <p:sp>
+        <p:nvSpPr>
+          <p:cNvPr id="12" name="Textfeld 11">
+            <a:extLst>
+              <a:ext uri="{FF2B5EF4-FFF2-40B4-BE49-F238E27FC236}">
+                <a16:creationId xmlns:a16="http://schemas.microsoft.com/office/drawing/2014/main" id="{6042961C-215F-6437-B789-71DB01FE2254}"/>
+              </a:ext>
+            </a:extLst>
+          </p:cNvPr>
+          <p:cNvSpPr txBox="1"/>
+          <p:nvPr/>
+        </p:nvSpPr>
+        <p:spPr>
+          <a:xfrm>
+            <a:off x="479425" y="5412584"/>
+            <a:ext cx="2879411" cy="238142"/>
+          </a:xfrm>
+          <a:prstGeom prst="rect">
+            <a:avLst/>
+          </a:prstGeom>
+          <a:noFill/>
+        </p:spPr>
+        <p:txBody>
+          <a:bodyPr wrap="square" lIns="0" tIns="0" rIns="0" bIns="0" rtlCol="0">
+            <a:spAutoFit/>
+          </a:bodyPr>
+          <a:lstStyle/>
+          <a:p>
+            <a:pPr algn="l">
+              <a:lnSpc>
+                <a:spcPts val="1960"/>
+              </a:lnSpc>
+              <a:buClr>
+                <a:schemeClr val="accent1"/>
+              </a:buClr>
+            </a:pPr>
+            <a:r>
+              <a:rPr lang="de-DE" sz="1400" b="1" dirty="0">
+                <a:sym typeface="Wingdings" panose="05000000000000000000" pitchFamily="2" charset="2"/>
+              </a:rPr>
+              <a:t> Abbildung von Bilanzräumen</a:t>
+            </a:r>
+            <a:endParaRPr lang="de-DE" sz="1400" b="1" dirty="0"/>
+          </a:p>
+        </p:txBody>
+      </p:sp>
+      <p:sp>
+        <p:nvSpPr>
+          <p:cNvPr id="13" name="Textfeld 12">
+            <a:extLst>
+              <a:ext uri="{FF2B5EF4-FFF2-40B4-BE49-F238E27FC236}">
+                <a16:creationId xmlns:a16="http://schemas.microsoft.com/office/drawing/2014/main" id="{621D98DB-BBC9-3199-970C-8A498FA5D1A3}"/>
+              </a:ext>
+            </a:extLst>
+          </p:cNvPr>
+          <p:cNvSpPr txBox="1"/>
+          <p:nvPr/>
+        </p:nvSpPr>
+        <p:spPr>
+          <a:xfrm>
+            <a:off x="4656294" y="5841537"/>
+            <a:ext cx="2879411" cy="238142"/>
+          </a:xfrm>
+          <a:prstGeom prst="rect">
+            <a:avLst/>
+          </a:prstGeom>
+          <a:noFill/>
+        </p:spPr>
+        <p:txBody>
+          <a:bodyPr wrap="square" lIns="0" tIns="0" rIns="0" bIns="0" rtlCol="0">
+            <a:spAutoFit/>
+          </a:bodyPr>
+          <a:lstStyle/>
+          <a:p>
+            <a:pPr algn="l">
+              <a:lnSpc>
+                <a:spcPts val="1960"/>
+              </a:lnSpc>
+              <a:buClr>
+                <a:schemeClr val="accent1"/>
+              </a:buClr>
+            </a:pPr>
+            <a:r>
+              <a:rPr lang="de-DE" sz="1400" b="1" dirty="0">
+                <a:sym typeface="Wingdings" panose="05000000000000000000" pitchFamily="2" charset="2"/>
+              </a:rPr>
+              <a:t> Abbildung von Bilanzräumen</a:t>
+            </a:r>
+            <a:endParaRPr lang="de-DE" sz="1400" b="1" dirty="0"/>
+          </a:p>
+        </p:txBody>
+      </p:sp>
+      <p:sp>
+        <p:nvSpPr>
+          <p:cNvPr id="15" name="Textfeld 14">
+            <a:extLst>
+              <a:ext uri="{FF2B5EF4-FFF2-40B4-BE49-F238E27FC236}">
+                <a16:creationId xmlns:a16="http://schemas.microsoft.com/office/drawing/2014/main" id="{77BEA80C-A4B0-BBCD-BFF9-FECEED1DF15E}"/>
+              </a:ext>
+            </a:extLst>
+          </p:cNvPr>
+          <p:cNvSpPr txBox="1"/>
+          <p:nvPr/>
+        </p:nvSpPr>
+        <p:spPr>
+          <a:xfrm>
+            <a:off x="8900861" y="5284472"/>
+            <a:ext cx="2879411" cy="494366"/>
+          </a:xfrm>
+          <a:prstGeom prst="rect">
+            <a:avLst/>
+          </a:prstGeom>
+          <a:noFill/>
+        </p:spPr>
+        <p:txBody>
+          <a:bodyPr wrap="square" lIns="0" tIns="0" rIns="0" bIns="0" rtlCol="0">
+            <a:spAutoFit/>
+          </a:bodyPr>
+          <a:lstStyle/>
+          <a:p>
+            <a:pPr algn="l">
+              <a:lnSpc>
+                <a:spcPts val="1960"/>
+              </a:lnSpc>
+              <a:buClr>
+                <a:schemeClr val="accent1"/>
+              </a:buClr>
+            </a:pPr>
+            <a:r>
+              <a:rPr lang="de-DE" sz="1400" b="1" dirty="0">
+                <a:sym typeface="Wingdings" panose="05000000000000000000" pitchFamily="2" charset="2"/>
+              </a:rPr>
+              <a:t> Technische Umsetzung von Bilanzräumen</a:t>
+            </a:r>
+            <a:endParaRPr lang="de-DE" sz="1400" b="1" dirty="0"/>
           </a:p>
         </p:txBody>
       </p:sp>
@@ -18058,7 +16494,7 @@
           <a:p>
             <a:fld id="{E1C3EC00-F760-4C5A-A6D9-3E15A5323473}" type="datetime1">
               <a:rPr lang="de-DE" noProof="0" smtClean="0"/>
-              <a:t>22.01.2025</a:t>
+              <a:t>23.01.2025</a:t>
             </a:fld>
             <a:endParaRPr lang="de-DE" noProof="0" dirty="0"/>
           </a:p>
@@ -18992,7 +17428,7 @@
           <a:p>
             <a:fld id="{E1C3EC00-F760-4C5A-A6D9-3E15A5323473}" type="datetime1">
               <a:rPr lang="de-DE" sz="900" noProof="0" smtClean="0"/>
-              <a:t>22.01.2025</a:t>
+              <a:t>23.01.2025</a:t>
             </a:fld>
             <a:endParaRPr lang="de-DE" sz="900" noProof="0" dirty="0"/>
           </a:p>
@@ -19265,6 +17701,716 @@
   <p:cSld>
     <p:spTree>
       <p:nvGrpSpPr>
+        <p:cNvPr id="1" name=""/>
+        <p:cNvGrpSpPr/>
+        <p:nvPr/>
+      </p:nvGrpSpPr>
+      <p:grpSpPr>
+        <a:xfrm>
+          <a:off x="0" y="0"/>
+          <a:ext cx="0" cy="0"/>
+          <a:chOff x="0" y="0"/>
+          <a:chExt cx="0" cy="0"/>
+        </a:xfrm>
+      </p:grpSpPr>
+      <p:sp>
+        <p:nvSpPr>
+          <p:cNvPr id="9" name="Titel 8">
+            <a:extLst>
+              <a:ext uri="{FF2B5EF4-FFF2-40B4-BE49-F238E27FC236}">
+                <a16:creationId xmlns:a16="http://schemas.microsoft.com/office/drawing/2014/main" id="{FC3078AA-FC84-15B8-630E-D5CBC8ED6988}"/>
+              </a:ext>
+            </a:extLst>
+          </p:cNvPr>
+          <p:cNvSpPr>
+            <a:spLocks noGrp="1"/>
+          </p:cNvSpPr>
+          <p:nvPr>
+            <p:ph type="title"/>
+          </p:nvPr>
+        </p:nvSpPr>
+        <p:spPr/>
+        <p:txBody>
+          <a:bodyPr/>
+          <a:lstStyle/>
+          <a:p>
+            <a:r>
+              <a:rPr lang="de-DE" dirty="0"/>
+              <a:t>Lösungsansatz</a:t>
+            </a:r>
+          </a:p>
+        </p:txBody>
+      </p:sp>
+      <p:sp>
+        <p:nvSpPr>
+          <p:cNvPr id="3" name="Datumsplatzhalter 2">
+            <a:extLst>
+              <a:ext uri="{FF2B5EF4-FFF2-40B4-BE49-F238E27FC236}">
+                <a16:creationId xmlns:a16="http://schemas.microsoft.com/office/drawing/2014/main" id="{81493733-4269-9F03-8CEB-5D9A066BC8D8}"/>
+              </a:ext>
+            </a:extLst>
+          </p:cNvPr>
+          <p:cNvSpPr>
+            <a:spLocks noGrp="1"/>
+          </p:cNvSpPr>
+          <p:nvPr>
+            <p:ph type="dt" sz="half" idx="10"/>
+          </p:nvPr>
+        </p:nvSpPr>
+        <p:spPr/>
+        <p:txBody>
+          <a:bodyPr/>
+          <a:lstStyle/>
+          <a:p>
+            <a:fld id="{E1C3EC00-F760-4C5A-A6D9-3E15A5323473}" type="datetime1">
+              <a:rPr lang="de-DE" noProof="0" smtClean="0"/>
+              <a:t>23.01.2025</a:t>
+            </a:fld>
+            <a:endParaRPr lang="de-DE" noProof="0" dirty="0"/>
+          </a:p>
+        </p:txBody>
+      </p:sp>
+      <p:sp>
+        <p:nvSpPr>
+          <p:cNvPr id="5" name="Foliennummernplatzhalter 4">
+            <a:extLst>
+              <a:ext uri="{FF2B5EF4-FFF2-40B4-BE49-F238E27FC236}">
+                <a16:creationId xmlns:a16="http://schemas.microsoft.com/office/drawing/2014/main" id="{712D270F-E6E6-E700-11F8-DD49BF454EEB}"/>
+              </a:ext>
+            </a:extLst>
+          </p:cNvPr>
+          <p:cNvSpPr>
+            <a:spLocks noGrp="1"/>
+          </p:cNvSpPr>
+          <p:nvPr>
+            <p:ph type="sldNum" sz="quarter" idx="12"/>
+          </p:nvPr>
+        </p:nvSpPr>
+        <p:spPr/>
+        <p:txBody>
+          <a:bodyPr/>
+          <a:lstStyle/>
+          <a:p>
+            <a:r>
+              <a:rPr lang="de-DE" noProof="0"/>
+              <a:t>Seite</a:t>
+            </a:r>
+            <a:r>
+              <a:rPr lang="en-US"/>
+              <a:t> </a:t>
+            </a:r>
+            <a:fld id="{401BA3E4-5E55-4F99-AF09-CC6D6B2539E2}" type="slidenum">
+              <a:rPr lang="en-US" smtClean="0"/>
+              <a:pPr/>
+              <a:t>7</a:t>
+            </a:fld>
+            <a:endParaRPr lang="en-US" dirty="0"/>
+          </a:p>
+        </p:txBody>
+      </p:sp>
+      <p:sp>
+        <p:nvSpPr>
+          <p:cNvPr id="10" name="Textplatzhalter 9">
+            <a:extLst>
+              <a:ext uri="{FF2B5EF4-FFF2-40B4-BE49-F238E27FC236}">
+                <a16:creationId xmlns:a16="http://schemas.microsoft.com/office/drawing/2014/main" id="{9F561136-43B3-57D5-026A-57FF1A94119D}"/>
+              </a:ext>
+            </a:extLst>
+          </p:cNvPr>
+          <p:cNvSpPr>
+            <a:spLocks noGrp="1"/>
+          </p:cNvSpPr>
+          <p:nvPr>
+            <p:ph type="body" sz="quarter" idx="13"/>
+          </p:nvPr>
+        </p:nvSpPr>
+        <p:spPr/>
+        <p:txBody>
+          <a:bodyPr/>
+          <a:lstStyle/>
+          <a:p>
+            <a:r>
+              <a:rPr lang="de-DE" dirty="0"/>
+              <a:t>Teilproblem 2</a:t>
+            </a:r>
+          </a:p>
+        </p:txBody>
+      </p:sp>
+      <p:sp>
+        <p:nvSpPr>
+          <p:cNvPr id="6" name="Textfeld 5">
+            <a:extLst>
+              <a:ext uri="{FF2B5EF4-FFF2-40B4-BE49-F238E27FC236}">
+                <a16:creationId xmlns:a16="http://schemas.microsoft.com/office/drawing/2014/main" id="{5380AD5E-1D8C-971A-8C4F-D5DF698425A4}"/>
+              </a:ext>
+            </a:extLst>
+          </p:cNvPr>
+          <p:cNvSpPr txBox="1"/>
+          <p:nvPr/>
+        </p:nvSpPr>
+        <p:spPr>
+          <a:xfrm>
+            <a:off x="3480643" y="586954"/>
+            <a:ext cx="7141961" cy="1264064"/>
+          </a:xfrm>
+          <a:prstGeom prst="rect">
+            <a:avLst/>
+          </a:prstGeom>
+          <a:noFill/>
+          <a:ln w="28575">
+            <a:solidFill>
+              <a:srgbClr val="BB0056"/>
+            </a:solidFill>
+          </a:ln>
+        </p:spPr>
+        <p:txBody>
+          <a:bodyPr wrap="square" lIns="0" tIns="0" rIns="0" bIns="0" rtlCol="0">
+            <a:spAutoFit/>
+          </a:bodyPr>
+          <a:lstStyle/>
+          <a:p>
+            <a:pPr algn="ctr">
+              <a:lnSpc>
+                <a:spcPts val="1960"/>
+              </a:lnSpc>
+              <a:buClr>
+                <a:schemeClr val="accent1"/>
+              </a:buClr>
+            </a:pPr>
+            <a:r>
+              <a:rPr lang="de-DE" sz="1400" dirty="0"/>
+              <a:t>Problem: </a:t>
+            </a:r>
+          </a:p>
+          <a:p>
+            <a:pPr marL="342900" indent="-342900" algn="l">
+              <a:lnSpc>
+                <a:spcPts val="1960"/>
+              </a:lnSpc>
+              <a:buClr>
+                <a:schemeClr val="accent1"/>
+              </a:buClr>
+              <a:buAutoNum type="arabicPeriod"/>
+            </a:pPr>
+            <a:r>
+              <a:rPr lang="de-DE" sz="1400" dirty="0"/>
+              <a:t>Nicht Definierter Anwendungskontext (alle Organisationen) der Bilanzräume</a:t>
+            </a:r>
+            <a:br>
+              <a:rPr lang="de-DE" sz="1400" dirty="0"/>
+            </a:br>
+            <a:r>
+              <a:rPr lang="de-DE" sz="1400" dirty="0">
+                <a:sym typeface="Wingdings" panose="05000000000000000000" pitchFamily="2" charset="2"/>
+              </a:rPr>
+              <a:t> Zur Evaluierung liegen nur Daten des Fraunhofer IOSB-AST vor</a:t>
+            </a:r>
+            <a:br>
+              <a:rPr lang="de-DE" sz="1400" dirty="0">
+                <a:sym typeface="Wingdings" panose="05000000000000000000" pitchFamily="2" charset="2"/>
+              </a:rPr>
+            </a:br>
+            <a:r>
+              <a:rPr lang="de-DE" sz="1400" dirty="0">
+                <a:sym typeface="Wingdings" panose="05000000000000000000" pitchFamily="2" charset="2"/>
+              </a:rPr>
+              <a:t> Keine Evaluierung von z.B. Industrieorganisationen möglich</a:t>
+            </a:r>
+            <a:endParaRPr lang="de-DE" sz="1400" dirty="0"/>
+          </a:p>
+          <a:p>
+            <a:pPr marL="342900" indent="-342900" algn="l">
+              <a:lnSpc>
+                <a:spcPts val="1960"/>
+              </a:lnSpc>
+              <a:buClr>
+                <a:schemeClr val="accent1"/>
+              </a:buClr>
+              <a:buAutoNum type="arabicPeriod"/>
+            </a:pPr>
+            <a:r>
+              <a:rPr lang="de-DE" sz="1400" dirty="0"/>
+              <a:t>Keine Festlegung auf Bilanzraumart (Energie/Masse/Impuls)</a:t>
+            </a:r>
+          </a:p>
+        </p:txBody>
+      </p:sp>
+      <p:sp>
+        <p:nvSpPr>
+          <p:cNvPr id="11" name="Textfeld 10">
+            <a:extLst>
+              <a:ext uri="{FF2B5EF4-FFF2-40B4-BE49-F238E27FC236}">
+                <a16:creationId xmlns:a16="http://schemas.microsoft.com/office/drawing/2014/main" id="{98A623CD-C5E2-2D1E-B8F8-129322B8B353}"/>
+              </a:ext>
+            </a:extLst>
+          </p:cNvPr>
+          <p:cNvSpPr txBox="1"/>
+          <p:nvPr/>
+        </p:nvSpPr>
+        <p:spPr>
+          <a:xfrm>
+            <a:off x="3480643" y="2350639"/>
+            <a:ext cx="7141962" cy="1777025"/>
+          </a:xfrm>
+          <a:prstGeom prst="rect">
+            <a:avLst/>
+          </a:prstGeom>
+          <a:noFill/>
+          <a:ln w="28575">
+            <a:solidFill>
+              <a:srgbClr val="179C7D"/>
+            </a:solidFill>
+          </a:ln>
+        </p:spPr>
+        <p:txBody>
+          <a:bodyPr wrap="square" lIns="0" tIns="0" rIns="0" bIns="0" rtlCol="0">
+            <a:spAutoFit/>
+          </a:bodyPr>
+          <a:lstStyle/>
+          <a:p>
+            <a:pPr algn="ctr">
+              <a:lnSpc>
+                <a:spcPts val="1960"/>
+              </a:lnSpc>
+              <a:buClr>
+                <a:schemeClr val="accent1"/>
+              </a:buClr>
+            </a:pPr>
+            <a:r>
+              <a:rPr lang="de-DE" sz="1400" dirty="0"/>
+              <a:t>Lösungsansatz: </a:t>
+            </a:r>
+          </a:p>
+          <a:p>
+            <a:pPr algn="l">
+              <a:lnSpc>
+                <a:spcPts val="1960"/>
+              </a:lnSpc>
+              <a:buClr>
+                <a:schemeClr val="accent1"/>
+              </a:buClr>
+            </a:pPr>
+            <a:r>
+              <a:rPr lang="de-DE" sz="1400" dirty="0"/>
+              <a:t>Festlegung auf </a:t>
+            </a:r>
+            <a:r>
+              <a:rPr lang="de-DE" sz="1400" b="1" dirty="0"/>
+              <a:t>Organisationen</a:t>
+            </a:r>
+            <a:r>
+              <a:rPr lang="de-DE" sz="1400" dirty="0"/>
+              <a:t> im </a:t>
+            </a:r>
+            <a:r>
+              <a:rPr lang="de-DE" sz="1400" b="1" dirty="0"/>
+              <a:t>tertiären Wirtschaftssektor</a:t>
+            </a:r>
+            <a:br>
+              <a:rPr lang="de-DE" sz="1400" dirty="0"/>
+            </a:br>
+            <a:r>
+              <a:rPr lang="de-DE" sz="1400" dirty="0">
+                <a:sym typeface="Wingdings" panose="05000000000000000000" pitchFamily="2" charset="2"/>
+              </a:rPr>
+              <a:t> automatischer Fokus auf </a:t>
+            </a:r>
+            <a:r>
+              <a:rPr lang="de-DE" sz="1400" b="1" dirty="0">
+                <a:sym typeface="Wingdings" panose="05000000000000000000" pitchFamily="2" charset="2"/>
+              </a:rPr>
+              <a:t>Energiebilanzierung</a:t>
+            </a:r>
+            <a:r>
+              <a:rPr lang="de-DE" sz="1400" dirty="0">
+                <a:sym typeface="Wingdings" panose="05000000000000000000" pitchFamily="2" charset="2"/>
+              </a:rPr>
+              <a:t>, da Masse- und Impulsbilanzierung wenig Relevanz haben</a:t>
+            </a:r>
+            <a:br>
+              <a:rPr lang="de-DE" sz="1400" dirty="0">
+                <a:sym typeface="Wingdings" panose="05000000000000000000" pitchFamily="2" charset="2"/>
+              </a:rPr>
+            </a:br>
+            <a:r>
+              <a:rPr lang="de-DE" sz="1400" dirty="0">
+                <a:sym typeface="Wingdings" panose="05000000000000000000" pitchFamily="2" charset="2"/>
+              </a:rPr>
+              <a:t> </a:t>
+            </a:r>
+            <a:r>
+              <a:rPr lang="de-DE" sz="1400" b="1" dirty="0">
+                <a:sym typeface="Wingdings" panose="05000000000000000000" pitchFamily="2" charset="2"/>
+              </a:rPr>
+              <a:t>vollständige Evaluierung </a:t>
+            </a:r>
+            <a:r>
+              <a:rPr lang="de-DE" sz="1400" dirty="0">
+                <a:sym typeface="Wingdings" panose="05000000000000000000" pitchFamily="2" charset="2"/>
+              </a:rPr>
+              <a:t>möglich</a:t>
+            </a:r>
+            <a:br>
+              <a:rPr lang="de-DE" sz="1400" dirty="0">
+                <a:sym typeface="Wingdings" panose="05000000000000000000" pitchFamily="2" charset="2"/>
+              </a:rPr>
+            </a:br>
+            <a:r>
+              <a:rPr lang="de-DE" sz="1400" dirty="0">
+                <a:sym typeface="Wingdings" panose="05000000000000000000" pitchFamily="2" charset="2"/>
+              </a:rPr>
+              <a:t> klarer Rahmen der Arbeit </a:t>
+            </a:r>
+            <a:r>
+              <a:rPr lang="de-DE" sz="1400" b="1" dirty="0">
+                <a:sym typeface="Wingdings" panose="05000000000000000000" pitchFamily="2" charset="2"/>
+              </a:rPr>
+              <a:t>reduziert Inhaltlichen Umfang </a:t>
+            </a:r>
+            <a:r>
+              <a:rPr lang="de-DE" sz="1400" dirty="0">
+                <a:sym typeface="Wingdings" panose="05000000000000000000" pitchFamily="2" charset="2"/>
+              </a:rPr>
+              <a:t>der Arbeit stark und </a:t>
+            </a:r>
+            <a:r>
+              <a:rPr lang="de-DE" sz="1400" b="1" dirty="0">
+                <a:sym typeface="Wingdings" panose="05000000000000000000" pitchFamily="2" charset="2"/>
+              </a:rPr>
+              <a:t>erhöht</a:t>
+            </a:r>
+            <a:r>
+              <a:rPr lang="de-DE" sz="1400" dirty="0">
+                <a:sym typeface="Wingdings" panose="05000000000000000000" pitchFamily="2" charset="2"/>
+              </a:rPr>
+              <a:t> dabei die </a:t>
+            </a:r>
+            <a:r>
+              <a:rPr lang="de-DE" sz="1400" b="1" dirty="0">
+                <a:sym typeface="Wingdings" panose="05000000000000000000" pitchFamily="2" charset="2"/>
+              </a:rPr>
+              <a:t>Präzision</a:t>
+            </a:r>
+            <a:r>
+              <a:rPr lang="de-DE" sz="1400" dirty="0">
+                <a:sym typeface="Wingdings" panose="05000000000000000000" pitchFamily="2" charset="2"/>
+              </a:rPr>
+              <a:t> der Arbeit</a:t>
+            </a:r>
+            <a:endParaRPr lang="de-DE" sz="1400" dirty="0"/>
+          </a:p>
+        </p:txBody>
+      </p:sp>
+      <p:cxnSp>
+        <p:nvCxnSpPr>
+          <p:cNvPr id="15" name="Gerade Verbindung mit Pfeil 14">
+            <a:extLst>
+              <a:ext uri="{FF2B5EF4-FFF2-40B4-BE49-F238E27FC236}">
+                <a16:creationId xmlns:a16="http://schemas.microsoft.com/office/drawing/2014/main" id="{D014E91C-DAC0-CEDE-CF9D-7B2D73160F78}"/>
+              </a:ext>
+            </a:extLst>
+          </p:cNvPr>
+          <p:cNvCxnSpPr>
+            <a:cxnSpLocks/>
+            <a:stCxn id="6" idx="2"/>
+            <a:endCxn id="11" idx="0"/>
+          </p:cNvCxnSpPr>
+          <p:nvPr/>
+        </p:nvCxnSpPr>
+        <p:spPr>
+          <a:xfrm>
+            <a:off x="7051624" y="1851018"/>
+            <a:ext cx="0" cy="499621"/>
+          </a:xfrm>
+          <a:prstGeom prst="straightConnector1">
+            <a:avLst/>
+          </a:prstGeom>
+          <a:ln w="38100">
+            <a:solidFill>
+              <a:srgbClr val="005B7F"/>
+            </a:solidFill>
+            <a:headEnd type="none" w="med" len="med"/>
+            <a:tailEnd type="triangle"/>
+          </a:ln>
+        </p:spPr>
+        <p:style>
+          <a:lnRef idx="1">
+            <a:schemeClr val="accent1"/>
+          </a:lnRef>
+          <a:fillRef idx="0">
+            <a:schemeClr val="accent1"/>
+          </a:fillRef>
+          <a:effectRef idx="0">
+            <a:schemeClr val="accent1"/>
+          </a:effectRef>
+          <a:fontRef idx="minor">
+            <a:schemeClr val="tx1"/>
+          </a:fontRef>
+        </p:style>
+      </p:cxnSp>
+      <p:sp>
+        <p:nvSpPr>
+          <p:cNvPr id="16" name="Textfeld 15">
+            <a:extLst>
+              <a:ext uri="{FF2B5EF4-FFF2-40B4-BE49-F238E27FC236}">
+                <a16:creationId xmlns:a16="http://schemas.microsoft.com/office/drawing/2014/main" id="{96544CD7-5B38-10A9-E16E-285655598F99}"/>
+              </a:ext>
+            </a:extLst>
+          </p:cNvPr>
+          <p:cNvSpPr txBox="1"/>
+          <p:nvPr/>
+        </p:nvSpPr>
+        <p:spPr>
+          <a:xfrm>
+            <a:off x="3480643" y="4309881"/>
+            <a:ext cx="7141962" cy="1764586"/>
+          </a:xfrm>
+          <a:prstGeom prst="rect">
+            <a:avLst/>
+          </a:prstGeom>
+          <a:noFill/>
+          <a:ln w="28575">
+            <a:solidFill>
+              <a:srgbClr val="FFC000"/>
+            </a:solidFill>
+          </a:ln>
+        </p:spPr>
+        <p:txBody>
+          <a:bodyPr wrap="square" lIns="0" tIns="0" rIns="0" bIns="0" rtlCol="0">
+            <a:spAutoFit/>
+          </a:bodyPr>
+          <a:lstStyle/>
+          <a:p>
+            <a:pPr algn="ctr">
+              <a:lnSpc>
+                <a:spcPts val="1960"/>
+              </a:lnSpc>
+              <a:buClr>
+                <a:schemeClr val="accent1"/>
+              </a:buClr>
+            </a:pPr>
+            <a:r>
+              <a:rPr lang="de-DE" sz="1400" dirty="0"/>
+              <a:t>Problem des Lösungsansatz:</a:t>
+            </a:r>
+          </a:p>
+          <a:p>
+            <a:pPr marL="285750" indent="-285750">
+              <a:buFont typeface="Wingdings" panose="05000000000000000000" pitchFamily="2" charset="2"/>
+              <a:buChar char="è"/>
+            </a:pPr>
+            <a:r>
+              <a:rPr lang="de-DE" sz="1400" dirty="0"/>
+              <a:t>Das Thema der Arbeit: </a:t>
+            </a:r>
+            <a:br>
+              <a:rPr lang="de-DE" sz="1400" dirty="0"/>
+            </a:br>
+            <a:r>
+              <a:rPr lang="de-DE" sz="1400" dirty="0"/>
+              <a:t>„</a:t>
+            </a:r>
+            <a:r>
+              <a:rPr lang="de-DE" sz="1400" i="0" u="none" strike="noStrike" baseline="0" dirty="0"/>
+              <a:t>Konzeption und Entwicklung einer datenbankseitigen Abbildung von frei definierbaren Bilanzräumen im Zusammenhang mit dem Energiemanagementsystem EMS-EDM PROPHET® nach ISO 50001.“</a:t>
+            </a:r>
+            <a:br>
+              <a:rPr lang="de-DE" sz="1400" i="0" u="none" strike="noStrike" baseline="0" dirty="0"/>
+            </a:br>
+            <a:r>
+              <a:rPr lang="de-DE" sz="1400" i="0" u="none" strike="noStrike" baseline="0" dirty="0"/>
+              <a:t>gibt nur einen sehr allgemeinen Rahmen.</a:t>
+            </a:r>
+            <a:endParaRPr lang="de-DE" sz="1100" i="0" u="none" strike="noStrike" baseline="0" dirty="0"/>
+          </a:p>
+          <a:p>
+            <a:pPr marL="285750" indent="-285750">
+              <a:buFont typeface="Wingdings" panose="05000000000000000000" pitchFamily="2" charset="2"/>
+              <a:buChar char="è"/>
+            </a:pPr>
+            <a:r>
+              <a:rPr lang="de-DE" sz="1400" i="0" u="none" strike="noStrike" baseline="0" dirty="0"/>
+              <a:t>Es wird von Bilanzräumen allgemein gesprochen (nicht Energiebilanzräume)</a:t>
+            </a:r>
+          </a:p>
+          <a:p>
+            <a:pPr marL="285750" indent="-285750">
+              <a:buFont typeface="Wingdings" panose="05000000000000000000" pitchFamily="2" charset="2"/>
+              <a:buChar char="è"/>
+            </a:pPr>
+            <a:r>
+              <a:rPr lang="de-DE" sz="1400" i="0" u="none" strike="noStrike" baseline="0" dirty="0"/>
+              <a:t>Das Thema definiert den Anwendungskontext nicht (tertiärer Wirtschaftssektor)</a:t>
+            </a:r>
+            <a:endParaRPr lang="de-DE" i="0" u="none" strike="noStrike" baseline="0" dirty="0"/>
+          </a:p>
+        </p:txBody>
+      </p:sp>
+    </p:spTree>
+    <p:extLst>
+      <p:ext uri="{BB962C8B-B14F-4D97-AF65-F5344CB8AC3E}">
+        <p14:creationId xmlns:p14="http://schemas.microsoft.com/office/powerpoint/2010/main" val="2138996746"/>
+      </p:ext>
+    </p:extLst>
+  </p:cSld>
+  <p:clrMapOvr>
+    <a:masterClrMapping/>
+  </p:clrMapOvr>
+</p:sld>
+</file>
+
+<file path=ppt/slides/slide8.xml><?xml version="1.0" encoding="utf-8"?>
+<p:sld xmlns:a="http://schemas.openxmlformats.org/drawingml/2006/main" xmlns:r="http://schemas.openxmlformats.org/officeDocument/2006/relationships" xmlns:p="http://schemas.openxmlformats.org/presentationml/2006/main">
+  <p:cSld>
+    <p:spTree>
+      <p:nvGrpSpPr>
+        <p:cNvPr id="1" name=""/>
+        <p:cNvGrpSpPr/>
+        <p:nvPr/>
+      </p:nvGrpSpPr>
+      <p:grpSpPr>
+        <a:xfrm>
+          <a:off x="0" y="0"/>
+          <a:ext cx="0" cy="0"/>
+          <a:chOff x="0" y="0"/>
+          <a:chExt cx="0" cy="0"/>
+        </a:xfrm>
+      </p:grpSpPr>
+      <p:pic>
+        <p:nvPicPr>
+          <p:cNvPr id="6" name="iosb_rgb_modul">
+            <a:extLst>
+              <a:ext uri="{FF2B5EF4-FFF2-40B4-BE49-F238E27FC236}">
+                <a16:creationId xmlns:a16="http://schemas.microsoft.com/office/drawing/2014/main" id="{DD7AD2D0-5D4A-4523-9F67-867979704F42}"/>
+              </a:ext>
+            </a:extLst>
+          </p:cNvPr>
+          <p:cNvPicPr>
+            <a:picLocks noChangeAspect="1"/>
+          </p:cNvPicPr>
+          <p:nvPr/>
+        </p:nvPicPr>
+        <p:blipFill>
+          <a:blip r:embed="rId2">
+            <a:extLst>
+              <a:ext uri="{28A0092B-C50C-407E-A947-70E740481C1C}">
+                <a14:useLocalDpi xmlns:a14="http://schemas.microsoft.com/office/drawing/2010/main" val="0"/>
+              </a:ext>
+            </a:extLst>
+          </a:blip>
+          <a:stretch>
+            <a:fillRect/>
+          </a:stretch>
+        </p:blipFill>
+        <p:spPr>
+          <a:xfrm>
+            <a:off x="1398743" y="0"/>
+            <a:ext cx="9394514" cy="3429000"/>
+          </a:xfrm>
+          <a:prstGeom prst="rect">
+            <a:avLst/>
+          </a:prstGeom>
+          <a:noFill/>
+        </p:spPr>
+      </p:pic>
+      <p:sp>
+        <p:nvSpPr>
+          <p:cNvPr id="7" name="Textplatzhalter 6">
+            <a:extLst>
+              <a:ext uri="{FF2B5EF4-FFF2-40B4-BE49-F238E27FC236}">
+                <a16:creationId xmlns:a16="http://schemas.microsoft.com/office/drawing/2014/main" id="{6378900C-3DF8-446D-8BFD-EBD50DCA4141}"/>
+              </a:ext>
+            </a:extLst>
+          </p:cNvPr>
+          <p:cNvSpPr>
+            <a:spLocks noGrp="1"/>
+          </p:cNvSpPr>
+          <p:nvPr>
+            <p:ph type="body" sz="quarter" idx="11"/>
+          </p:nvPr>
+        </p:nvSpPr>
+        <p:spPr bwMode="gray">
+          <a:xfrm>
+            <a:off x="-1" y="2357312"/>
+            <a:ext cx="7824787" cy="3148592"/>
+          </a:xfrm>
+        </p:spPr>
+        <p:txBody>
+          <a:bodyPr wrap="square" anchor="t">
+            <a:normAutofit/>
+          </a:bodyPr>
+          <a:lstStyle/>
+          <a:p>
+            <a:pPr>
+              <a:lnSpc>
+                <a:spcPct val="90000"/>
+              </a:lnSpc>
+            </a:pPr>
+            <a:r>
+              <a:rPr lang="de-DE" sz="2200" dirty="0"/>
+              <a:t>Neuer Aufbau (Theorieteil)</a:t>
+            </a:r>
+          </a:p>
+          <a:p>
+            <a:pPr lvl="1">
+              <a:lnSpc>
+                <a:spcPct val="90000"/>
+              </a:lnSpc>
+            </a:pPr>
+            <a:r>
+              <a:rPr lang="de-DE" sz="2200" dirty="0"/>
+              <a:t>—</a:t>
+            </a:r>
+          </a:p>
+          <a:p>
+            <a:pPr lvl="2">
+              <a:lnSpc>
+                <a:spcPct val="90000"/>
+              </a:lnSpc>
+            </a:pPr>
+            <a:r>
+              <a:rPr lang="de-DE" sz="2200" dirty="0"/>
+              <a:t>Fabian Heinlein</a:t>
+            </a:r>
+          </a:p>
+          <a:p>
+            <a:pPr lvl="2">
+              <a:lnSpc>
+                <a:spcPct val="90000"/>
+              </a:lnSpc>
+            </a:pPr>
+            <a:r>
+              <a:rPr lang="de-DE" sz="2200" dirty="0"/>
+              <a:t>22.01.2025</a:t>
+            </a:r>
+            <a:br>
+              <a:rPr lang="de-DE" sz="2200" dirty="0"/>
+            </a:br>
+            <a:r>
+              <a:rPr lang="de-DE" sz="2200" dirty="0"/>
+              <a:t>Bachelorarbeit</a:t>
+            </a:r>
+          </a:p>
+        </p:txBody>
+      </p:sp>
+    </p:spTree>
+    <p:extLst>
+      <p:ext uri="{BB962C8B-B14F-4D97-AF65-F5344CB8AC3E}">
+        <p14:creationId xmlns:p14="http://schemas.microsoft.com/office/powerpoint/2010/main" val="2282112081"/>
+      </p:ext>
+    </p:extLst>
+  </p:cSld>
+  <p:clrMapOvr>
+    <a:masterClrMapping/>
+  </p:clrMapOvr>
+</p:sld>
+</file>
+
+<file path=ppt/slides/slide9.xml><?xml version="1.0" encoding="utf-8"?>
+<p:sld xmlns:a="http://schemas.openxmlformats.org/drawingml/2006/main" xmlns:r="http://schemas.openxmlformats.org/officeDocument/2006/relationships" xmlns:p="http://schemas.openxmlformats.org/presentationml/2006/main">
+  <p:cSld>
+    <p:spTree>
+      <p:nvGrpSpPr>
         <p:cNvPr id="1" name="">
           <a:extLst>
             <a:ext uri="{FF2B5EF4-FFF2-40B4-BE49-F238E27FC236}">
@@ -19339,7 +18485,7 @@
           <a:p>
             <a:fld id="{E1C3EC00-F760-4C5A-A6D9-3E15A5323473}" type="datetime1">
               <a:rPr lang="de-DE" sz="900" noProof="0" smtClean="0"/>
-              <a:t>22.01.2025</a:t>
+              <a:t>23.01.2025</a:t>
             </a:fld>
             <a:endParaRPr lang="de-DE" sz="900" noProof="0" dirty="0"/>
           </a:p>
@@ -19382,7 +18528,7 @@
             <a:fld id="{401BA3E4-5E55-4F99-AF09-CC6D6B2539E2}" type="slidenum">
               <a:rPr lang="en-US" sz="900" smtClean="0"/>
               <a:pPr/>
-              <a:t>7</a:t>
+              <a:t>9</a:t>
             </a:fld>
             <a:endParaRPr lang="en-US" sz="900" dirty="0"/>
           </a:p>
@@ -19739,461 +18885,6 @@
     <p:extLst>
       <p:ext uri="{BB962C8B-B14F-4D97-AF65-F5344CB8AC3E}">
         <p14:creationId xmlns:p14="http://schemas.microsoft.com/office/powerpoint/2010/main" val="235336807"/>
-      </p:ext>
-    </p:extLst>
-  </p:cSld>
-  <p:clrMapOvr>
-    <a:masterClrMapping/>
-  </p:clrMapOvr>
-</p:sld>
-</file>
-
-<file path=ppt/slides/slide8.xml><?xml version="1.0" encoding="utf-8"?>
-<p:sld xmlns:a="http://schemas.openxmlformats.org/drawingml/2006/main" xmlns:r="http://schemas.openxmlformats.org/officeDocument/2006/relationships" xmlns:p="http://schemas.openxmlformats.org/presentationml/2006/main">
-  <p:cSld>
-    <p:spTree>
-      <p:nvGrpSpPr>
-        <p:cNvPr id="1" name="">
-          <a:extLst>
-            <a:ext uri="{FF2B5EF4-FFF2-40B4-BE49-F238E27FC236}">
-              <a16:creationId xmlns:a16="http://schemas.microsoft.com/office/drawing/2014/main" id="{014BC552-4588-0553-E8F3-828A6C8871FC}"/>
-            </a:ext>
-          </a:extLst>
-        </p:cNvPr>
-        <p:cNvGrpSpPr/>
-        <p:nvPr/>
-      </p:nvGrpSpPr>
-      <p:grpSpPr>
-        <a:xfrm>
-          <a:off x="0" y="0"/>
-          <a:ext cx="0" cy="0"/>
-          <a:chOff x="0" y="0"/>
-          <a:chExt cx="0" cy="0"/>
-        </a:xfrm>
-      </p:grpSpPr>
-      <p:sp>
-        <p:nvSpPr>
-          <p:cNvPr id="9" name="Titel 8">
-            <a:extLst>
-              <a:ext uri="{FF2B5EF4-FFF2-40B4-BE49-F238E27FC236}">
-                <a16:creationId xmlns:a16="http://schemas.microsoft.com/office/drawing/2014/main" id="{1DF07976-AEF6-666E-D7E0-269CD881B35D}"/>
-              </a:ext>
-            </a:extLst>
-          </p:cNvPr>
-          <p:cNvSpPr>
-            <a:spLocks noGrp="1"/>
-          </p:cNvSpPr>
-          <p:nvPr>
-            <p:ph type="title"/>
-          </p:nvPr>
-        </p:nvSpPr>
-        <p:spPr/>
-        <p:txBody>
-          <a:bodyPr/>
-          <a:lstStyle/>
-          <a:p>
-            <a:r>
-              <a:rPr lang="de-DE" dirty="0"/>
-              <a:t>Probleme</a:t>
-            </a:r>
-          </a:p>
-        </p:txBody>
-      </p:sp>
-      <p:sp>
-        <p:nvSpPr>
-          <p:cNvPr id="3" name="Datumsplatzhalter 2">
-            <a:extLst>
-              <a:ext uri="{FF2B5EF4-FFF2-40B4-BE49-F238E27FC236}">
-                <a16:creationId xmlns:a16="http://schemas.microsoft.com/office/drawing/2014/main" id="{9BEB48E2-935A-BA04-A615-B75F26CA6C00}"/>
-              </a:ext>
-            </a:extLst>
-          </p:cNvPr>
-          <p:cNvSpPr>
-            <a:spLocks noGrp="1"/>
-          </p:cNvSpPr>
-          <p:nvPr>
-            <p:ph type="dt" sz="half" idx="10"/>
-          </p:nvPr>
-        </p:nvSpPr>
-        <p:spPr>
-          <a:xfrm>
-            <a:off x="991515" y="6438251"/>
-            <a:ext cx="720000" cy="123111"/>
-          </a:xfrm>
-        </p:spPr>
-        <p:txBody>
-          <a:bodyPr/>
-          <a:lstStyle/>
-          <a:p>
-            <a:fld id="{E1C3EC00-F760-4C5A-A6D9-3E15A5323473}" type="datetime1">
-              <a:rPr lang="de-DE" sz="900" noProof="0" smtClean="0"/>
-              <a:t>22.01.2025</a:t>
-            </a:fld>
-            <a:endParaRPr lang="de-DE" sz="900" noProof="0" dirty="0"/>
-          </a:p>
-        </p:txBody>
-      </p:sp>
-      <p:sp>
-        <p:nvSpPr>
-          <p:cNvPr id="5" name="Foliennummernplatzhalter 4">
-            <a:extLst>
-              <a:ext uri="{FF2B5EF4-FFF2-40B4-BE49-F238E27FC236}">
-                <a16:creationId xmlns:a16="http://schemas.microsoft.com/office/drawing/2014/main" id="{DCDD3126-669B-1877-267A-3AB0CAAA1280}"/>
-              </a:ext>
-            </a:extLst>
-          </p:cNvPr>
-          <p:cNvSpPr>
-            <a:spLocks noGrp="1"/>
-          </p:cNvSpPr>
-          <p:nvPr>
-            <p:ph type="sldNum" sz="quarter" idx="12"/>
-          </p:nvPr>
-        </p:nvSpPr>
-        <p:spPr>
-          <a:xfrm>
-            <a:off x="82892" y="6430557"/>
-            <a:ext cx="720000" cy="138499"/>
-          </a:xfrm>
-        </p:spPr>
-        <p:txBody>
-          <a:bodyPr/>
-          <a:lstStyle/>
-          <a:p>
-            <a:r>
-              <a:rPr lang="de-DE" sz="900" noProof="0"/>
-              <a:t>Seite</a:t>
-            </a:r>
-            <a:r>
-              <a:rPr lang="en-US" sz="900"/>
-              <a:t> </a:t>
-            </a:r>
-            <a:fld id="{401BA3E4-5E55-4F99-AF09-CC6D6B2539E2}" type="slidenum">
-              <a:rPr lang="en-US" sz="900" smtClean="0"/>
-              <a:pPr/>
-              <a:t>8</a:t>
-            </a:fld>
-            <a:endParaRPr lang="en-US" sz="900" dirty="0"/>
-          </a:p>
-        </p:txBody>
-      </p:sp>
-      <p:sp>
-        <p:nvSpPr>
-          <p:cNvPr id="10" name="Textplatzhalter 9">
-            <a:extLst>
-              <a:ext uri="{FF2B5EF4-FFF2-40B4-BE49-F238E27FC236}">
-                <a16:creationId xmlns:a16="http://schemas.microsoft.com/office/drawing/2014/main" id="{E136A4DB-6C29-A44A-3F6F-3F700649B81E}"/>
-              </a:ext>
-            </a:extLst>
-          </p:cNvPr>
-          <p:cNvSpPr>
-            <a:spLocks noGrp="1"/>
-          </p:cNvSpPr>
-          <p:nvPr>
-            <p:ph type="body" sz="quarter" idx="13"/>
-          </p:nvPr>
-        </p:nvSpPr>
-        <p:spPr/>
-        <p:txBody>
-          <a:bodyPr/>
-          <a:lstStyle/>
-          <a:p>
-            <a:r>
-              <a:rPr lang="de-DE" dirty="0"/>
-              <a:t>Teilproblem 3: Quellenpool</a:t>
-            </a:r>
-          </a:p>
-        </p:txBody>
-      </p:sp>
-      <p:sp>
-        <p:nvSpPr>
-          <p:cNvPr id="4" name="Textplatzhalter 3">
-            <a:extLst>
-              <a:ext uri="{FF2B5EF4-FFF2-40B4-BE49-F238E27FC236}">
-                <a16:creationId xmlns:a16="http://schemas.microsoft.com/office/drawing/2014/main" id="{DE9A2B85-5960-AF4A-06CE-7C1165EEC82B}"/>
-              </a:ext>
-            </a:extLst>
-          </p:cNvPr>
-          <p:cNvSpPr>
-            <a:spLocks noGrp="1"/>
-          </p:cNvSpPr>
-          <p:nvPr>
-            <p:ph type="body" sz="quarter" idx="14"/>
-          </p:nvPr>
-        </p:nvSpPr>
-        <p:spPr>
-          <a:xfrm>
-            <a:off x="3377406" y="1974243"/>
-            <a:ext cx="5437188" cy="2909514"/>
-          </a:xfrm>
-        </p:spPr>
-        <p:txBody>
-          <a:bodyPr/>
-          <a:lstStyle/>
-          <a:p>
-            <a:r>
-              <a:rPr lang="de-DE" dirty="0">
-                <a:latin typeface="+mn-lt"/>
-              </a:rPr>
-              <a:t>Die Auswahl an </a:t>
-            </a:r>
-            <a:r>
-              <a:rPr lang="de-DE" b="1" dirty="0">
-                <a:latin typeface="+mn-lt"/>
-              </a:rPr>
-              <a:t>wissenschaftlichen Quellen </a:t>
-            </a:r>
-            <a:r>
-              <a:rPr lang="de-DE" dirty="0">
-                <a:latin typeface="+mn-lt"/>
-              </a:rPr>
-              <a:t>ist in dem gewählten Thema aufgrund der </a:t>
-            </a:r>
-            <a:r>
-              <a:rPr lang="de-DE" b="1" dirty="0">
-                <a:latin typeface="+mn-lt"/>
-              </a:rPr>
-              <a:t>Anwendungsorientiertheit</a:t>
-            </a:r>
-            <a:r>
-              <a:rPr lang="de-DE" dirty="0">
-                <a:latin typeface="+mn-lt"/>
-              </a:rPr>
-              <a:t> sehr </a:t>
-            </a:r>
-            <a:r>
-              <a:rPr lang="de-DE" b="1" dirty="0">
-                <a:latin typeface="+mn-lt"/>
-              </a:rPr>
-              <a:t>klein</a:t>
-            </a:r>
-            <a:r>
-              <a:rPr lang="de-DE" dirty="0">
-                <a:latin typeface="+mn-lt"/>
-              </a:rPr>
-              <a:t>. Meist sind Quellen </a:t>
-            </a:r>
-            <a:r>
-              <a:rPr lang="de-DE" b="1" dirty="0">
-                <a:latin typeface="+mn-lt"/>
-              </a:rPr>
-              <a:t>Fallstudien</a:t>
-            </a:r>
-            <a:r>
-              <a:rPr lang="de-DE" dirty="0">
-                <a:latin typeface="+mn-lt"/>
-              </a:rPr>
-              <a:t> und nicht allgemein Anwendbar auf z.B. EMS-EDM Prophet</a:t>
-            </a:r>
-          </a:p>
-          <a:p>
-            <a:r>
-              <a:rPr lang="de-DE" dirty="0">
-                <a:latin typeface="+mn-lt"/>
-              </a:rPr>
-              <a:t>Deswegen müssen </a:t>
-            </a:r>
-            <a:r>
-              <a:rPr lang="de-DE" b="1" dirty="0">
-                <a:latin typeface="+mn-lt"/>
-              </a:rPr>
-              <a:t>theoretische Erkenntnisse </a:t>
-            </a:r>
-            <a:r>
-              <a:rPr lang="de-DE" dirty="0">
-                <a:latin typeface="+mn-lt"/>
-              </a:rPr>
-              <a:t>vorrangig aus </a:t>
-            </a:r>
-            <a:r>
-              <a:rPr lang="de-DE" b="1" dirty="0">
-                <a:latin typeface="+mn-lt"/>
-              </a:rPr>
-              <a:t>Grundlagenliteratur</a:t>
-            </a:r>
-            <a:r>
-              <a:rPr lang="de-DE" dirty="0">
-                <a:latin typeface="+mn-lt"/>
-              </a:rPr>
-              <a:t> erarbeitet und für den Problemraum abstrahiert werden.</a:t>
-            </a:r>
-          </a:p>
-          <a:p>
-            <a:r>
-              <a:rPr lang="de-DE" dirty="0">
-                <a:latin typeface="+mn-lt"/>
-              </a:rPr>
-              <a:t>Das ist sehr </a:t>
-            </a:r>
-            <a:r>
-              <a:rPr lang="de-DE" b="1" dirty="0">
-                <a:latin typeface="+mn-lt"/>
-              </a:rPr>
-              <a:t>Zeitintensiv</a:t>
-            </a:r>
-            <a:r>
-              <a:rPr lang="de-DE" dirty="0">
-                <a:latin typeface="+mn-lt"/>
-              </a:rPr>
-              <a:t> und sprengt bei einem zu großen inhaltlichen Umfang den zeitlichen Rahmen der Arbeit.</a:t>
-            </a:r>
-          </a:p>
-        </p:txBody>
-      </p:sp>
-    </p:spTree>
-    <p:extLst>
-      <p:ext uri="{BB962C8B-B14F-4D97-AF65-F5344CB8AC3E}">
-        <p14:creationId xmlns:p14="http://schemas.microsoft.com/office/powerpoint/2010/main" val="4127655508"/>
-      </p:ext>
-    </p:extLst>
-  </p:cSld>
-  <p:clrMapOvr>
-    <a:masterClrMapping/>
-  </p:clrMapOvr>
-</p:sld>
-</file>
-
-<file path=ppt/slides/slide9.xml><?xml version="1.0" encoding="utf-8"?>
-<p:sld xmlns:a="http://schemas.openxmlformats.org/drawingml/2006/main" xmlns:r="http://schemas.openxmlformats.org/officeDocument/2006/relationships" xmlns:p="http://schemas.openxmlformats.org/presentationml/2006/main">
-  <p:cSld>
-    <p:spTree>
-      <p:nvGrpSpPr>
-        <p:cNvPr id="1" name=""/>
-        <p:cNvGrpSpPr/>
-        <p:nvPr/>
-      </p:nvGrpSpPr>
-      <p:grpSpPr>
-        <a:xfrm>
-          <a:off x="0" y="0"/>
-          <a:ext cx="0" cy="0"/>
-          <a:chOff x="0" y="0"/>
-          <a:chExt cx="0" cy="0"/>
-        </a:xfrm>
-      </p:grpSpPr>
-      <p:pic>
-        <p:nvPicPr>
-          <p:cNvPr id="6" name="iosb_rgb_modul">
-            <a:extLst>
-              <a:ext uri="{FF2B5EF4-FFF2-40B4-BE49-F238E27FC236}">
-                <a16:creationId xmlns:a16="http://schemas.microsoft.com/office/drawing/2014/main" id="{DD7AD2D0-5D4A-4523-9F67-867979704F42}"/>
-              </a:ext>
-            </a:extLst>
-          </p:cNvPr>
-          <p:cNvPicPr>
-            <a:picLocks noChangeAspect="1"/>
-          </p:cNvPicPr>
-          <p:nvPr/>
-        </p:nvPicPr>
-        <p:blipFill>
-          <a:blip r:embed="rId2">
-            <a:extLst>
-              <a:ext uri="{28A0092B-C50C-407E-A947-70E740481C1C}">
-                <a14:useLocalDpi xmlns:a14="http://schemas.microsoft.com/office/drawing/2010/main" val="0"/>
-              </a:ext>
-            </a:extLst>
-          </a:blip>
-          <a:stretch>
-            <a:fillRect/>
-          </a:stretch>
-        </p:blipFill>
-        <p:spPr>
-          <a:xfrm>
-            <a:off x="1398743" y="0"/>
-            <a:ext cx="9394514" cy="3429000"/>
-          </a:xfrm>
-          <a:prstGeom prst="rect">
-            <a:avLst/>
-          </a:prstGeom>
-          <a:noFill/>
-        </p:spPr>
-      </p:pic>
-      <p:sp>
-        <p:nvSpPr>
-          <p:cNvPr id="7" name="Textplatzhalter 6">
-            <a:extLst>
-              <a:ext uri="{FF2B5EF4-FFF2-40B4-BE49-F238E27FC236}">
-                <a16:creationId xmlns:a16="http://schemas.microsoft.com/office/drawing/2014/main" id="{6378900C-3DF8-446D-8BFD-EBD50DCA4141}"/>
-              </a:ext>
-            </a:extLst>
-          </p:cNvPr>
-          <p:cNvSpPr>
-            <a:spLocks noGrp="1"/>
-          </p:cNvSpPr>
-          <p:nvPr>
-            <p:ph type="body" sz="quarter" idx="11"/>
-          </p:nvPr>
-        </p:nvSpPr>
-        <p:spPr bwMode="gray">
-          <a:xfrm>
-            <a:off x="0" y="2366104"/>
-            <a:ext cx="7824787" cy="3148592"/>
-          </a:xfrm>
-        </p:spPr>
-        <p:txBody>
-          <a:bodyPr wrap="square" anchor="t">
-            <a:normAutofit/>
-          </a:bodyPr>
-          <a:lstStyle/>
-          <a:p>
-            <a:pPr>
-              <a:lnSpc>
-                <a:spcPct val="90000"/>
-              </a:lnSpc>
-            </a:pPr>
-            <a:r>
-              <a:rPr lang="de-DE" sz="2200" dirty="0"/>
-              <a:t>Lösungsansatz</a:t>
-            </a:r>
-          </a:p>
-          <a:p>
-            <a:pPr lvl="1">
-              <a:lnSpc>
-                <a:spcPct val="90000"/>
-              </a:lnSpc>
-            </a:pPr>
-            <a:r>
-              <a:rPr lang="de-DE" sz="2200" dirty="0"/>
-              <a:t>—</a:t>
-            </a:r>
-          </a:p>
-          <a:p>
-            <a:pPr lvl="2">
-              <a:lnSpc>
-                <a:spcPct val="90000"/>
-              </a:lnSpc>
-            </a:pPr>
-            <a:r>
-              <a:rPr lang="de-DE" sz="2200" dirty="0"/>
-              <a:t>Fabian Heinlein</a:t>
-            </a:r>
-          </a:p>
-          <a:p>
-            <a:pPr lvl="2">
-              <a:lnSpc>
-                <a:spcPct val="90000"/>
-              </a:lnSpc>
-            </a:pPr>
-            <a:r>
-              <a:rPr lang="de-DE" sz="2200" dirty="0"/>
-              <a:t>16.12.2024</a:t>
-            </a:r>
-          </a:p>
-          <a:p>
-            <a:pPr lvl="2">
-              <a:lnSpc>
-                <a:spcPct val="90000"/>
-              </a:lnSpc>
-            </a:pPr>
-            <a:r>
-              <a:rPr lang="de-DE" sz="2200" dirty="0"/>
-              <a:t>Bachelorarbeit</a:t>
-            </a:r>
-          </a:p>
-        </p:txBody>
-      </p:sp>
-    </p:spTree>
-    <p:extLst>
-      <p:ext uri="{BB962C8B-B14F-4D97-AF65-F5344CB8AC3E}">
-        <p14:creationId xmlns:p14="http://schemas.microsoft.com/office/powerpoint/2010/main" val="530933983"/>
       </p:ext>
     </p:extLst>
   </p:cSld>
